--- a/reference_material/slides/001_Basic_Stats.pptx
+++ b/reference_material/slides/001_Basic_Stats.pptx
@@ -24,8 +24,9 @@
     <p:sldId id="272" r:id="rId21"/>
     <p:sldId id="273" r:id="rId22"/>
     <p:sldId id="274" r:id="rId23"/>
-    <p:sldId id="276" r:id="rId24"/>
-    <p:sldId id="275" r:id="rId25"/>
+    <p:sldId id="277" r:id="rId24"/>
+    <p:sldId id="276" r:id="rId25"/>
+    <p:sldId id="275" r:id="rId26"/>
   </p:sldIdLst>
   <p:sldSz cx="12192000" cy="6858000"/>
   <p:notesSz cx="6858000" cy="9144000"/>
@@ -1001,7 +1002,7 @@
           <a:p>
             <a:fld id="{7DBE0230-AD19-48CE-900D-EFFAD2759F56}" type="datetimeFigureOut">
               <a:rPr lang="LID4096" smtClean="0"/>
-              <a:t>9/8/21</a:t>
+              <a:t>8/22/22</a:t>
             </a:fld>
             <a:endParaRPr lang="LID4096"/>
           </a:p>
@@ -1212,7 +1213,7 @@
           <a:p>
             <a:fld id="{7DBE0230-AD19-48CE-900D-EFFAD2759F56}" type="datetimeFigureOut">
               <a:rPr lang="LID4096" smtClean="0"/>
-              <a:t>9/8/21</a:t>
+              <a:t>8/22/22</a:t>
             </a:fld>
             <a:endParaRPr lang="LID4096"/>
           </a:p>
@@ -1427,7 +1428,7 @@
           <a:p>
             <a:fld id="{7DBE0230-AD19-48CE-900D-EFFAD2759F56}" type="datetimeFigureOut">
               <a:rPr lang="LID4096" smtClean="0"/>
-              <a:t>9/8/21</a:t>
+              <a:t>8/22/22</a:t>
             </a:fld>
             <a:endParaRPr lang="LID4096"/>
           </a:p>
@@ -1628,7 +1629,7 @@
           <a:p>
             <a:fld id="{7DBE0230-AD19-48CE-900D-EFFAD2759F56}" type="datetimeFigureOut">
               <a:rPr lang="LID4096" smtClean="0"/>
-              <a:t>9/8/21</a:t>
+              <a:t>8/22/22</a:t>
             </a:fld>
             <a:endParaRPr lang="LID4096"/>
           </a:p>
@@ -1907,7 +1908,7 @@
           <a:p>
             <a:fld id="{7DBE0230-AD19-48CE-900D-EFFAD2759F56}" type="datetimeFigureOut">
               <a:rPr lang="LID4096" smtClean="0"/>
-              <a:t>9/8/21</a:t>
+              <a:t>8/22/22</a:t>
             </a:fld>
             <a:endParaRPr lang="LID4096"/>
           </a:p>
@@ -2175,7 +2176,7 @@
           <a:p>
             <a:fld id="{7DBE0230-AD19-48CE-900D-EFFAD2759F56}" type="datetimeFigureOut">
               <a:rPr lang="LID4096" smtClean="0"/>
-              <a:t>9/8/21</a:t>
+              <a:t>8/22/22</a:t>
             </a:fld>
             <a:endParaRPr lang="LID4096"/>
           </a:p>
@@ -2591,7 +2592,7 @@
           <a:p>
             <a:fld id="{7DBE0230-AD19-48CE-900D-EFFAD2759F56}" type="datetimeFigureOut">
               <a:rPr lang="LID4096" smtClean="0"/>
-              <a:t>9/8/21</a:t>
+              <a:t>8/22/22</a:t>
             </a:fld>
             <a:endParaRPr lang="LID4096"/>
           </a:p>
@@ -2740,7 +2741,7 @@
           <a:p>
             <a:fld id="{7DBE0230-AD19-48CE-900D-EFFAD2759F56}" type="datetimeFigureOut">
               <a:rPr lang="LID4096" smtClean="0"/>
-              <a:t>9/8/21</a:t>
+              <a:t>8/22/22</a:t>
             </a:fld>
             <a:endParaRPr lang="LID4096"/>
           </a:p>
@@ -2866,7 +2867,7 @@
           <a:p>
             <a:fld id="{7DBE0230-AD19-48CE-900D-EFFAD2759F56}" type="datetimeFigureOut">
               <a:rPr lang="LID4096" smtClean="0"/>
-              <a:t>9/8/21</a:t>
+              <a:t>8/22/22</a:t>
             </a:fld>
             <a:endParaRPr lang="LID4096"/>
           </a:p>
@@ -3117,7 +3118,7 @@
           <a:p>
             <a:fld id="{7DBE0230-AD19-48CE-900D-EFFAD2759F56}" type="datetimeFigureOut">
               <a:rPr lang="LID4096" smtClean="0"/>
-              <a:t>9/8/21</a:t>
+              <a:t>8/22/22</a:t>
             </a:fld>
             <a:endParaRPr lang="LID4096"/>
           </a:p>
@@ -3562,7 +3563,7 @@
           <a:p>
             <a:fld id="{7DBE0230-AD19-48CE-900D-EFFAD2759F56}" type="datetimeFigureOut">
               <a:rPr lang="LID4096" smtClean="0"/>
-              <a:t>9/8/21</a:t>
+              <a:t>8/22/22</a:t>
             </a:fld>
             <a:endParaRPr lang="LID4096"/>
           </a:p>
@@ -3889,7 +3890,7 @@
           <a:p>
             <a:fld id="{7DBE0230-AD19-48CE-900D-EFFAD2759F56}" type="datetimeFigureOut">
               <a:rPr lang="LID4096" smtClean="0"/>
-              <a:t>9/8/21</a:t>
+              <a:t>8/22/22</a:t>
             </a:fld>
             <a:endParaRPr lang="LID4096"/>
           </a:p>
@@ -7444,6 +7445,133 @@
           <p:cNvPr id="2" name="Title 1">
             <a:extLst>
               <a:ext uri="{FF2B5EF4-FFF2-40B4-BE49-F238E27FC236}">
+                <a16:creationId xmlns:a16="http://schemas.microsoft.com/office/drawing/2014/main" id="{43326F2D-DA32-BAB3-C500-3584DDC0D732}"/>
+              </a:ext>
+            </a:extLst>
+          </p:cNvPr>
+          <p:cNvSpPr>
+            <a:spLocks noGrp="1"/>
+          </p:cNvSpPr>
+          <p:nvPr>
+            <p:ph type="title"/>
+          </p:nvPr>
+        </p:nvSpPr>
+        <p:spPr/>
+        <p:txBody>
+          <a:bodyPr/>
+          <a:lstStyle/>
+          <a:p>
+            <a:endParaRPr lang="en-US"/>
+          </a:p>
+        </p:txBody>
+      </p:sp>
+      <p:sp>
+        <p:nvSpPr>
+          <p:cNvPr id="3" name="Content Placeholder 2">
+            <a:extLst>
+              <a:ext uri="{FF2B5EF4-FFF2-40B4-BE49-F238E27FC236}">
+                <a16:creationId xmlns:a16="http://schemas.microsoft.com/office/drawing/2014/main" id="{F7ED3C96-5F23-A713-648C-6FC522443F1C}"/>
+              </a:ext>
+            </a:extLst>
+          </p:cNvPr>
+          <p:cNvSpPr>
+            <a:spLocks noGrp="1"/>
+          </p:cNvSpPr>
+          <p:nvPr>
+            <p:ph idx="1"/>
+          </p:nvPr>
+        </p:nvSpPr>
+        <p:spPr/>
+        <p:txBody>
+          <a:bodyPr/>
+          <a:lstStyle/>
+          <a:p>
+            <a:endParaRPr lang="en-US"/>
+          </a:p>
+        </p:txBody>
+      </p:sp>
+      <p:pic>
+        <p:nvPicPr>
+          <p:cNvPr id="1026" name="Picture 2" descr="Categorical vs. Quantitative Variables: Definition + Examples">
+            <a:extLst>
+              <a:ext uri="{FF2B5EF4-FFF2-40B4-BE49-F238E27FC236}">
+                <a16:creationId xmlns:a16="http://schemas.microsoft.com/office/drawing/2014/main" id="{2C2D6919-CA07-5629-962D-8EDFF3527F70}"/>
+              </a:ext>
+            </a:extLst>
+          </p:cNvPr>
+          <p:cNvPicPr>
+            <a:picLocks noChangeAspect="1" noChangeArrowheads="1"/>
+          </p:cNvPicPr>
+          <p:nvPr/>
+        </p:nvPicPr>
+        <p:blipFill>
+          <a:blip r:embed="rId2">
+            <a:extLst>
+              <a:ext uri="{28A0092B-C50C-407E-A947-70E740481C1C}">
+                <a14:useLocalDpi xmlns:a14="http://schemas.microsoft.com/office/drawing/2010/main" val="0"/>
+              </a:ext>
+            </a:extLst>
+          </a:blip>
+          <a:srcRect/>
+          <a:stretch>
+            <a:fillRect/>
+          </a:stretch>
+        </p:blipFill>
+        <p:spPr bwMode="auto">
+          <a:xfrm>
+            <a:off x="584200" y="927100"/>
+            <a:ext cx="11023600" cy="5003800"/>
+          </a:xfrm>
+          <a:prstGeom prst="rect">
+            <a:avLst/>
+          </a:prstGeom>
+          <a:noFill/>
+          <a:extLst>
+            <a:ext uri="{909E8E84-426E-40DD-AFC4-6F175D3DCCD1}">
+              <a14:hiddenFill xmlns:a14="http://schemas.microsoft.com/office/drawing/2010/main">
+                <a:solidFill>
+                  <a:srgbClr val="FFFFFF"/>
+                </a:solidFill>
+              </a14:hiddenFill>
+            </a:ext>
+          </a:extLst>
+        </p:spPr>
+      </p:pic>
+    </p:spTree>
+    <p:extLst>
+      <p:ext uri="{BB962C8B-B14F-4D97-AF65-F5344CB8AC3E}">
+        <p14:creationId xmlns:p14="http://schemas.microsoft.com/office/powerpoint/2010/main" val="1206951957"/>
+      </p:ext>
+    </p:extLst>
+  </p:cSld>
+  <p:clrMapOvr>
+    <a:masterClrMapping/>
+  </p:clrMapOvr>
+</p:sld>
+</file>
+
+<file path=ppt/slides/slide21.xml><?xml version="1.0" encoding="utf-8"?>
+<p:sld xmlns:a="http://schemas.openxmlformats.org/drawingml/2006/main" xmlns:r="http://schemas.openxmlformats.org/officeDocument/2006/relationships" xmlns:p="http://schemas.openxmlformats.org/presentationml/2006/main">
+  <p:cSld>
+    <p:spTree>
+      <p:nvGrpSpPr>
+        <p:cNvPr id="1" name=""/>
+        <p:cNvGrpSpPr/>
+        <p:nvPr/>
+      </p:nvGrpSpPr>
+      <p:grpSpPr>
+        <a:xfrm>
+          <a:off x="0" y="0"/>
+          <a:ext cx="0" cy="0"/>
+          <a:chOff x="0" y="0"/>
+          <a:chExt cx="0" cy="0"/>
+        </a:xfrm>
+      </p:grpSpPr>
+      <p:sp>
+        <p:nvSpPr>
+          <p:cNvPr id="2" name="Title 1">
+            <a:extLst>
+              <a:ext uri="{FF2B5EF4-FFF2-40B4-BE49-F238E27FC236}">
                 <a16:creationId xmlns:a16="http://schemas.microsoft.com/office/drawing/2014/main" id="{2B0DD83B-0F16-9544-9FE0-F557FBD9EFF9}"/>
               </a:ext>
             </a:extLst>
@@ -7528,7 +7656,7 @@
 </p:sld>
 </file>
 
-<file path=ppt/slides/slide21.xml><?xml version="1.0" encoding="utf-8"?>
+<file path=ppt/slides/slide22.xml><?xml version="1.0" encoding="utf-8"?>
 <p:sld xmlns:a="http://schemas.openxmlformats.org/drawingml/2006/main" xmlns:r="http://schemas.openxmlformats.org/officeDocument/2006/relationships" xmlns:p="http://schemas.openxmlformats.org/presentationml/2006/main">
   <p:cSld>
     <p:spTree>
@@ -8798,6 +8926,15 @@
 </file>
 
 <file path=customXml/item1.xml><?xml version="1.0" encoding="utf-8"?>
+<?mso-contentType ?>
+<FormTemplates xmlns="http://schemas.microsoft.com/sharepoint/v3/contenttype/forms">
+  <Display>DocumentLibraryForm</Display>
+  <Edit>DocumentLibraryForm</Edit>
+  <New>DocumentLibraryForm</New>
+</FormTemplates>
+</file>
+
+<file path=customXml/item2.xml><?xml version="1.0" encoding="utf-8"?>
 <ct:contentTypeSchema xmlns:ct="http://schemas.microsoft.com/office/2006/metadata/contentType" xmlns:ma="http://schemas.microsoft.com/office/2006/metadata/properties/metaAttributes" ct:_="" ma:_="" ma:contentTypeName="Document" ma:contentTypeID="0x01010026F5301678C67B498D338CE32F95A14E" ma:contentTypeVersion="15" ma:contentTypeDescription="Create a new document." ma:contentTypeScope="" ma:versionID="eaaf4546f4d1fda2deef56f0b8d50481">
   <xsd:schema xmlns:xsd="http://www.w3.org/2001/XMLSchema" xmlns:xs="http://www.w3.org/2001/XMLSchema" xmlns:p="http://schemas.microsoft.com/office/2006/metadata/properties" xmlns:ns1="http://schemas.microsoft.com/sharepoint/v3" xmlns:ns3="8b56a6db-b632-47f7-ac3d-cb0cb7728168" xmlns:ns4="0f3882ea-2a39-4b1a-8943-2b5857d2b62e" targetNamespace="http://schemas.microsoft.com/office/2006/metadata/properties" ma:root="true" ma:fieldsID="c424594656824f3d98654a7d4d166443" ns1:_="" ns3:_="" ns4:_="">
     <xsd:import namespace="http://schemas.microsoft.com/sharepoint/v3"/>
@@ -9037,15 +9174,6 @@
 </ct:contentTypeSchema>
 </file>
 
-<file path=customXml/item2.xml><?xml version="1.0" encoding="utf-8"?>
-<?mso-contentType ?>
-<FormTemplates xmlns="http://schemas.microsoft.com/sharepoint/v3/contenttype/forms">
-  <Display>DocumentLibraryForm</Display>
-  <Edit>DocumentLibraryForm</Edit>
-  <New>DocumentLibraryForm</New>
-</FormTemplates>
-</file>
-
 <file path=customXml/item3.xml><?xml version="1.0" encoding="utf-8"?>
 <p:properties xmlns:p="http://schemas.microsoft.com/office/2006/metadata/properties" xmlns:xsi="http://www.w3.org/2001/XMLSchema-instance" xmlns:pc="http://schemas.microsoft.com/office/infopath/2007/PartnerControls">
   <documentManagement>
@@ -9056,6 +9184,14 @@
 </file>
 
 <file path=customXml/itemProps1.xml><?xml version="1.0" encoding="utf-8"?>
+<ds:datastoreItem xmlns:ds="http://schemas.openxmlformats.org/officeDocument/2006/customXml" ds:itemID="{9D433788-E2A9-474A-A9AA-7C51D76AEEF8}">
+  <ds:schemaRefs>
+    <ds:schemaRef ds:uri="http://schemas.microsoft.com/sharepoint/v3/contenttype/forms"/>
+  </ds:schemaRefs>
+</ds:datastoreItem>
+</file>
+
+<file path=customXml/itemProps2.xml><?xml version="1.0" encoding="utf-8"?>
 <ds:datastoreItem xmlns:ds="http://schemas.openxmlformats.org/officeDocument/2006/customXml" ds:itemID="{65F52427-8C17-472B-B062-8A002E8BDA6E}">
   <ds:schemaRefs>
     <ds:schemaRef ds:uri="http://schemas.microsoft.com/office/2006/metadata/contentType"/>
@@ -9071,14 +9207,6 @@
     <ds:schemaRef ds:uri="http://purl.org/dc/elements/1.1/"/>
     <ds:schemaRef ds:uri="http://purl.org/dc/terms/"/>
     <ds:schemaRef ds:uri="http://schemas.microsoft.com/internal/obd"/>
-  </ds:schemaRefs>
-</ds:datastoreItem>
-</file>
-
-<file path=customXml/itemProps2.xml><?xml version="1.0" encoding="utf-8"?>
-<ds:datastoreItem xmlns:ds="http://schemas.openxmlformats.org/officeDocument/2006/customXml" ds:itemID="{9D433788-E2A9-474A-A9AA-7C51D76AEEF8}">
-  <ds:schemaRefs>
-    <ds:schemaRef ds:uri="http://schemas.microsoft.com/sharepoint/v3/contenttype/forms"/>
   </ds:schemaRefs>
 </ds:datastoreItem>
 </file>

--- a/reference_material/slides/001_Basic_Stats.pptx
+++ b/reference_material/slides/001_Basic_Stats.pptx
@@ -5,28 +5,37 @@
     <p:sldMasterId id="2147483677" r:id="rId4"/>
   </p:sldMasterIdLst>
   <p:sldIdLst>
-    <p:sldId id="256" r:id="rId5"/>
-    <p:sldId id="259" r:id="rId6"/>
-    <p:sldId id="260" r:id="rId7"/>
-    <p:sldId id="257" r:id="rId8"/>
-    <p:sldId id="258" r:id="rId9"/>
-    <p:sldId id="261" r:id="rId10"/>
-    <p:sldId id="262" r:id="rId11"/>
-    <p:sldId id="263" r:id="rId12"/>
-    <p:sldId id="264" r:id="rId13"/>
-    <p:sldId id="265" r:id="rId14"/>
-    <p:sldId id="269" r:id="rId15"/>
-    <p:sldId id="266" r:id="rId16"/>
-    <p:sldId id="267" r:id="rId17"/>
-    <p:sldId id="268" r:id="rId18"/>
-    <p:sldId id="270" r:id="rId19"/>
-    <p:sldId id="271" r:id="rId20"/>
-    <p:sldId id="272" r:id="rId21"/>
-    <p:sldId id="273" r:id="rId22"/>
-    <p:sldId id="274" r:id="rId23"/>
-    <p:sldId id="277" r:id="rId24"/>
-    <p:sldId id="276" r:id="rId25"/>
-    <p:sldId id="275" r:id="rId26"/>
+    <p:sldId id="278" r:id="rId5"/>
+    <p:sldId id="279" r:id="rId6"/>
+    <p:sldId id="280" r:id="rId7"/>
+    <p:sldId id="281" r:id="rId8"/>
+    <p:sldId id="282" r:id="rId9"/>
+    <p:sldId id="283" r:id="rId10"/>
+    <p:sldId id="256" r:id="rId11"/>
+    <p:sldId id="259" r:id="rId12"/>
+    <p:sldId id="260" r:id="rId13"/>
+    <p:sldId id="257" r:id="rId14"/>
+    <p:sldId id="258" r:id="rId15"/>
+    <p:sldId id="261" r:id="rId16"/>
+    <p:sldId id="262" r:id="rId17"/>
+    <p:sldId id="263" r:id="rId18"/>
+    <p:sldId id="264" r:id="rId19"/>
+    <p:sldId id="265" r:id="rId20"/>
+    <p:sldId id="269" r:id="rId21"/>
+    <p:sldId id="266" r:id="rId22"/>
+    <p:sldId id="267" r:id="rId23"/>
+    <p:sldId id="268" r:id="rId24"/>
+    <p:sldId id="270" r:id="rId25"/>
+    <p:sldId id="271" r:id="rId26"/>
+    <p:sldId id="284" r:id="rId27"/>
+    <p:sldId id="272" r:id="rId28"/>
+    <p:sldId id="285" r:id="rId29"/>
+    <p:sldId id="273" r:id="rId30"/>
+    <p:sldId id="274" r:id="rId31"/>
+    <p:sldId id="277" r:id="rId32"/>
+    <p:sldId id="286" r:id="rId33"/>
+    <p:sldId id="276" r:id="rId34"/>
+    <p:sldId id="275" r:id="rId35"/>
   </p:sldIdLst>
   <p:sldSz cx="12192000" cy="6858000"/>
   <p:notesSz cx="6858000" cy="9144000"/>
@@ -1002,7 +1011,7 @@
           <a:p>
             <a:fld id="{7DBE0230-AD19-48CE-900D-EFFAD2759F56}" type="datetimeFigureOut">
               <a:rPr lang="LID4096" smtClean="0"/>
-              <a:t>8/22/22</a:t>
+              <a:t>8/24/22</a:t>
             </a:fld>
             <a:endParaRPr lang="LID4096"/>
           </a:p>
@@ -1213,7 +1222,7 @@
           <a:p>
             <a:fld id="{7DBE0230-AD19-48CE-900D-EFFAD2759F56}" type="datetimeFigureOut">
               <a:rPr lang="LID4096" smtClean="0"/>
-              <a:t>8/22/22</a:t>
+              <a:t>8/24/22</a:t>
             </a:fld>
             <a:endParaRPr lang="LID4096"/>
           </a:p>
@@ -1428,7 +1437,7 @@
           <a:p>
             <a:fld id="{7DBE0230-AD19-48CE-900D-EFFAD2759F56}" type="datetimeFigureOut">
               <a:rPr lang="LID4096" smtClean="0"/>
-              <a:t>8/22/22</a:t>
+              <a:t>8/24/22</a:t>
             </a:fld>
             <a:endParaRPr lang="LID4096"/>
           </a:p>
@@ -1629,7 +1638,7 @@
           <a:p>
             <a:fld id="{7DBE0230-AD19-48CE-900D-EFFAD2759F56}" type="datetimeFigureOut">
               <a:rPr lang="LID4096" smtClean="0"/>
-              <a:t>8/22/22</a:t>
+              <a:t>8/24/22</a:t>
             </a:fld>
             <a:endParaRPr lang="LID4096"/>
           </a:p>
@@ -1908,7 +1917,7 @@
           <a:p>
             <a:fld id="{7DBE0230-AD19-48CE-900D-EFFAD2759F56}" type="datetimeFigureOut">
               <a:rPr lang="LID4096" smtClean="0"/>
-              <a:t>8/22/22</a:t>
+              <a:t>8/24/22</a:t>
             </a:fld>
             <a:endParaRPr lang="LID4096"/>
           </a:p>
@@ -2176,7 +2185,7 @@
           <a:p>
             <a:fld id="{7DBE0230-AD19-48CE-900D-EFFAD2759F56}" type="datetimeFigureOut">
               <a:rPr lang="LID4096" smtClean="0"/>
-              <a:t>8/22/22</a:t>
+              <a:t>8/24/22</a:t>
             </a:fld>
             <a:endParaRPr lang="LID4096"/>
           </a:p>
@@ -2592,7 +2601,7 @@
           <a:p>
             <a:fld id="{7DBE0230-AD19-48CE-900D-EFFAD2759F56}" type="datetimeFigureOut">
               <a:rPr lang="LID4096" smtClean="0"/>
-              <a:t>8/22/22</a:t>
+              <a:t>8/24/22</a:t>
             </a:fld>
             <a:endParaRPr lang="LID4096"/>
           </a:p>
@@ -2741,7 +2750,7 @@
           <a:p>
             <a:fld id="{7DBE0230-AD19-48CE-900D-EFFAD2759F56}" type="datetimeFigureOut">
               <a:rPr lang="LID4096" smtClean="0"/>
-              <a:t>8/22/22</a:t>
+              <a:t>8/24/22</a:t>
             </a:fld>
             <a:endParaRPr lang="LID4096"/>
           </a:p>
@@ -2867,7 +2876,7 @@
           <a:p>
             <a:fld id="{7DBE0230-AD19-48CE-900D-EFFAD2759F56}" type="datetimeFigureOut">
               <a:rPr lang="LID4096" smtClean="0"/>
-              <a:t>8/22/22</a:t>
+              <a:t>8/24/22</a:t>
             </a:fld>
             <a:endParaRPr lang="LID4096"/>
           </a:p>
@@ -3118,7 +3127,7 @@
           <a:p>
             <a:fld id="{7DBE0230-AD19-48CE-900D-EFFAD2759F56}" type="datetimeFigureOut">
               <a:rPr lang="LID4096" smtClean="0"/>
-              <a:t>8/22/22</a:t>
+              <a:t>8/24/22</a:t>
             </a:fld>
             <a:endParaRPr lang="LID4096"/>
           </a:p>
@@ -3563,7 +3572,7 @@
           <a:p>
             <a:fld id="{7DBE0230-AD19-48CE-900D-EFFAD2759F56}" type="datetimeFigureOut">
               <a:rPr lang="LID4096" smtClean="0"/>
-              <a:t>8/22/22</a:t>
+              <a:t>8/24/22</a:t>
             </a:fld>
             <a:endParaRPr lang="LID4096"/>
           </a:p>
@@ -3890,7 +3899,7 @@
           <a:p>
             <a:fld id="{7DBE0230-AD19-48CE-900D-EFFAD2759F56}" type="datetimeFigureOut">
               <a:rPr lang="LID4096" smtClean="0"/>
-              <a:t>8/22/22</a:t>
+              <a:t>8/24/22</a:t>
             </a:fld>
             <a:endParaRPr lang="LID4096"/>
           </a:p>
@@ -4381,7 +4390,7 @@
           <p:cNvPr id="2" name="Title 1">
             <a:extLst>
               <a:ext uri="{FF2B5EF4-FFF2-40B4-BE49-F238E27FC236}">
-                <a16:creationId xmlns:a16="http://schemas.microsoft.com/office/drawing/2014/main" id="{D5219269-6BAB-4B04-A21A-E0BD348D80DC}"/>
+                <a16:creationId xmlns:a16="http://schemas.microsoft.com/office/drawing/2014/main" id="{909951EA-A403-4C52-42D9-85332BB51FB4}"/>
               </a:ext>
             </a:extLst>
           </p:cNvPr>
@@ -4394,46 +4403,54 @@
         </p:nvSpPr>
         <p:spPr/>
         <p:txBody>
+          <a:bodyPr>
+            <a:normAutofit fontScale="90000"/>
+          </a:bodyPr>
+          <a:lstStyle/>
+          <a:p>
+            <a:r>
+              <a:rPr lang="en-US" dirty="0"/>
+              <a:t>Data 3450:</a:t>
+            </a:r>
+            <a:br>
+              <a:rPr lang="en-US" dirty="0"/>
+            </a:br>
+            <a:r>
+              <a:rPr lang="en-US" dirty="0"/>
+              <a:t>Basic Stats For Machine Learning in Python</a:t>
+            </a:r>
+          </a:p>
+        </p:txBody>
+      </p:sp>
+      <p:sp>
+        <p:nvSpPr>
+          <p:cNvPr id="3" name="Subtitle 2">
+            <a:extLst>
+              <a:ext uri="{FF2B5EF4-FFF2-40B4-BE49-F238E27FC236}">
+                <a16:creationId xmlns:a16="http://schemas.microsoft.com/office/drawing/2014/main" id="{E8E05441-E8DA-B65A-0CE4-EA002051F1FC}"/>
+              </a:ext>
+            </a:extLst>
+          </p:cNvPr>
+          <p:cNvSpPr>
+            <a:spLocks noGrp="1"/>
+          </p:cNvSpPr>
+          <p:nvPr>
+            <p:ph type="subTitle" idx="1"/>
+          </p:nvPr>
+        </p:nvSpPr>
+        <p:spPr/>
+        <p:txBody>
           <a:bodyPr/>
           <a:lstStyle/>
           <a:p>
-            <a:r>
-              <a:rPr lang="en-CA" dirty="0"/>
-              <a:t>Basics of Statistics</a:t>
-            </a:r>
-            <a:endParaRPr lang="LID4096" dirty="0"/>
-          </a:p>
-        </p:txBody>
-      </p:sp>
-      <p:sp>
-        <p:nvSpPr>
-          <p:cNvPr id="3" name="Subtitle 2">
-            <a:extLst>
-              <a:ext uri="{FF2B5EF4-FFF2-40B4-BE49-F238E27FC236}">
-                <a16:creationId xmlns:a16="http://schemas.microsoft.com/office/drawing/2014/main" id="{04CEF03D-42D4-4071-B3E1-9E54A49E6C03}"/>
-              </a:ext>
-            </a:extLst>
-          </p:cNvPr>
-          <p:cNvSpPr>
-            <a:spLocks noGrp="1"/>
-          </p:cNvSpPr>
-          <p:nvPr>
-            <p:ph type="subTitle" idx="1"/>
-          </p:nvPr>
-        </p:nvSpPr>
-        <p:spPr/>
-        <p:txBody>
-          <a:bodyPr/>
-          <a:lstStyle/>
-          <a:p>
-            <a:endParaRPr lang="LID4096"/>
+            <a:endParaRPr lang="en-US"/>
           </a:p>
         </p:txBody>
       </p:sp>
     </p:spTree>
     <p:extLst>
       <p:ext uri="{BB962C8B-B14F-4D97-AF65-F5344CB8AC3E}">
-        <p14:creationId xmlns:p14="http://schemas.microsoft.com/office/powerpoint/2010/main" val="3006118279"/>
+        <p14:creationId xmlns:p14="http://schemas.microsoft.com/office/powerpoint/2010/main" val="757335135"/>
       </p:ext>
     </p:extLst>
   </p:cSld>
@@ -4465,7 +4482,7 @@
           <p:cNvPr id="2" name="Title 1">
             <a:extLst>
               <a:ext uri="{FF2B5EF4-FFF2-40B4-BE49-F238E27FC236}">
-                <a16:creationId xmlns:a16="http://schemas.microsoft.com/office/drawing/2014/main" id="{FB03CA23-6875-4B11-8789-11BAA689D02A}"/>
+                <a16:creationId xmlns:a16="http://schemas.microsoft.com/office/drawing/2014/main" id="{6722AC48-625D-4590-873F-482F436EBD48}"/>
               </a:ext>
             </a:extLst>
           </p:cNvPr>
@@ -4483,7 +4500,7 @@
           <a:p>
             <a:r>
               <a:rPr lang="en-CA" dirty="0"/>
-              <a:t>SO what will all this do for me?</a:t>
+              <a:t>What is Statistics?</a:t>
             </a:r>
             <a:endParaRPr lang="LID4096" dirty="0"/>
           </a:p>
@@ -4494,7 +4511,7 @@
           <p:cNvPr id="3" name="Content Placeholder 2">
             <a:extLst>
               <a:ext uri="{FF2B5EF4-FFF2-40B4-BE49-F238E27FC236}">
-                <a16:creationId xmlns:a16="http://schemas.microsoft.com/office/drawing/2014/main" id="{85FDD2EA-E5D2-404A-8920-14BAAF8C3326}"/>
+                <a16:creationId xmlns:a16="http://schemas.microsoft.com/office/drawing/2014/main" id="{F1C2B76F-78A3-4201-AE46-986C1711ADF0}"/>
               </a:ext>
             </a:extLst>
           </p:cNvPr>
@@ -4505,66 +4522,29 @@
             <p:ph idx="1"/>
           </p:nvPr>
         </p:nvSpPr>
-        <p:spPr>
-          <a:xfrm>
-            <a:off x="906781" y="2015732"/>
-            <a:ext cx="10454640" cy="3450613"/>
-          </a:xfrm>
-        </p:spPr>
+        <p:spPr/>
         <p:txBody>
           <a:bodyPr/>
           <a:lstStyle/>
           <a:p>
             <a:r>
               <a:rPr lang="en-CA" dirty="0"/>
-              <a:t>Understanding stats and probability helps us understand what we are doing with analytics.</a:t>
-            </a:r>
-          </a:p>
-          <a:p>
-            <a:pPr lvl="1"/>
+              <a:t>Statistics is the language of data.</a:t>
+            </a:r>
+          </a:p>
+          <a:p>
             <a:r>
               <a:rPr lang="en-CA" dirty="0"/>
-              <a:t>Understand and diagnose errors or problems.</a:t>
-            </a:r>
-          </a:p>
-          <a:p>
-            <a:pPr lvl="1"/>
+              <a:t>Statistics is what we use to describe, organize, analyze, and present data.</a:t>
+            </a:r>
+          </a:p>
+          <a:p>
+            <a:endParaRPr lang="en-CA" dirty="0"/>
+          </a:p>
+          <a:p>
             <a:r>
               <a:rPr lang="en-CA" dirty="0"/>
-              <a:t>Communicate with others (stats is the language of data).</a:t>
-            </a:r>
-          </a:p>
-          <a:p>
-            <a:pPr lvl="1"/>
-            <a:r>
-              <a:rPr lang="en-CA" dirty="0"/>
-              <a:t>Make better and faster decisions on what techniques to use.</a:t>
-            </a:r>
-          </a:p>
-          <a:p>
-            <a:pPr lvl="1"/>
-            <a:r>
-              <a:rPr lang="en-CA" dirty="0"/>
-              <a:t>Evaluate results more comprehensively.</a:t>
-            </a:r>
-          </a:p>
-          <a:p>
-            <a:pPr lvl="1"/>
-            <a:r>
-              <a:rPr lang="en-CA" dirty="0"/>
-              <a:t>Make more accurate predictive models. </a:t>
-            </a:r>
-          </a:p>
-          <a:p>
-            <a:r>
-              <a:rPr lang="en-CA" dirty="0"/>
-              <a:t>Knowing stats isn’t strictly necessary to do analytics, but to do it well, it is. </a:t>
-            </a:r>
-          </a:p>
-          <a:p>
-            <a:r>
-              <a:rPr lang="en-CA" dirty="0"/>
-              <a:t>The more advanced you get, the more likely stats will matter. </a:t>
+              <a:t>If you’ve taken the average of some values, you’ve done statistics. </a:t>
             </a:r>
             <a:endParaRPr lang="LID4096" dirty="0"/>
           </a:p>
@@ -4573,7 +4553,7 @@
     </p:spTree>
     <p:extLst>
       <p:ext uri="{BB962C8B-B14F-4D97-AF65-F5344CB8AC3E}">
-        <p14:creationId xmlns:p14="http://schemas.microsoft.com/office/powerpoint/2010/main" val="1817559363"/>
+        <p14:creationId xmlns:p14="http://schemas.microsoft.com/office/powerpoint/2010/main" val="4179692843"/>
       </p:ext>
     </p:extLst>
   </p:cSld>
@@ -4605,6 +4585,875 @@
           <p:cNvPr id="2" name="Title 1">
             <a:extLst>
               <a:ext uri="{FF2B5EF4-FFF2-40B4-BE49-F238E27FC236}">
+                <a16:creationId xmlns:a16="http://schemas.microsoft.com/office/drawing/2014/main" id="{7B24C5F1-9C35-4DBA-BB84-281362AA271B}"/>
+              </a:ext>
+            </a:extLst>
+          </p:cNvPr>
+          <p:cNvSpPr>
+            <a:spLocks noGrp="1"/>
+          </p:cNvSpPr>
+          <p:nvPr>
+            <p:ph type="title"/>
+          </p:nvPr>
+        </p:nvSpPr>
+        <p:spPr/>
+        <p:txBody>
+          <a:bodyPr/>
+          <a:lstStyle/>
+          <a:p>
+            <a:r>
+              <a:rPr lang="en-CA" dirty="0"/>
+              <a:t>What is Probability?</a:t>
+            </a:r>
+            <a:endParaRPr lang="LID4096" dirty="0"/>
+          </a:p>
+        </p:txBody>
+      </p:sp>
+      <p:sp>
+        <p:nvSpPr>
+          <p:cNvPr id="3" name="Content Placeholder 2">
+            <a:extLst>
+              <a:ext uri="{FF2B5EF4-FFF2-40B4-BE49-F238E27FC236}">
+                <a16:creationId xmlns:a16="http://schemas.microsoft.com/office/drawing/2014/main" id="{E5EE9999-C8E2-4638-A0F3-4247ECAEA7DC}"/>
+              </a:ext>
+            </a:extLst>
+          </p:cNvPr>
+          <p:cNvSpPr>
+            <a:spLocks noGrp="1"/>
+          </p:cNvSpPr>
+          <p:nvPr>
+            <p:ph idx="1"/>
+          </p:nvPr>
+        </p:nvSpPr>
+        <p:spPr/>
+        <p:txBody>
+          <a:bodyPr/>
+          <a:lstStyle/>
+          <a:p>
+            <a:r>
+              <a:rPr lang="en-CA" dirty="0"/>
+              <a:t>Probability is the math of predicting how likely something is to happen. </a:t>
+            </a:r>
+          </a:p>
+          <a:p>
+            <a:endParaRPr lang="en-CA" dirty="0"/>
+          </a:p>
+          <a:p>
+            <a:r>
+              <a:rPr lang="en-CA" dirty="0"/>
+              <a:t>If you’ve ever gambled, you’ve used probability. </a:t>
+            </a:r>
+            <a:endParaRPr lang="LID4096" dirty="0"/>
+          </a:p>
+        </p:txBody>
+      </p:sp>
+    </p:spTree>
+    <p:extLst>
+      <p:ext uri="{BB962C8B-B14F-4D97-AF65-F5344CB8AC3E}">
+        <p14:creationId xmlns:p14="http://schemas.microsoft.com/office/powerpoint/2010/main" val="145422333"/>
+      </p:ext>
+    </p:extLst>
+  </p:cSld>
+  <p:clrMapOvr>
+    <a:masterClrMapping/>
+  </p:clrMapOvr>
+</p:sld>
+</file>
+
+<file path=ppt/slides/slide12.xml><?xml version="1.0" encoding="utf-8"?>
+<p:sld xmlns:a="http://schemas.openxmlformats.org/drawingml/2006/main" xmlns:r="http://schemas.openxmlformats.org/officeDocument/2006/relationships" xmlns:p="http://schemas.openxmlformats.org/presentationml/2006/main">
+  <p:cSld>
+    <p:spTree>
+      <p:nvGrpSpPr>
+        <p:cNvPr id="1" name=""/>
+        <p:cNvGrpSpPr/>
+        <p:nvPr/>
+      </p:nvGrpSpPr>
+      <p:grpSpPr>
+        <a:xfrm>
+          <a:off x="0" y="0"/>
+          <a:ext cx="0" cy="0"/>
+          <a:chOff x="0" y="0"/>
+          <a:chExt cx="0" cy="0"/>
+        </a:xfrm>
+      </p:grpSpPr>
+      <p:sp>
+        <p:nvSpPr>
+          <p:cNvPr id="2" name="Title 1">
+            <a:extLst>
+              <a:ext uri="{FF2B5EF4-FFF2-40B4-BE49-F238E27FC236}">
+                <a16:creationId xmlns:a16="http://schemas.microsoft.com/office/drawing/2014/main" id="{C0DA4244-D682-4C77-9687-1AFA649DAAD9}"/>
+              </a:ext>
+            </a:extLst>
+          </p:cNvPr>
+          <p:cNvSpPr>
+            <a:spLocks noGrp="1"/>
+          </p:cNvSpPr>
+          <p:nvPr>
+            <p:ph type="title"/>
+          </p:nvPr>
+        </p:nvSpPr>
+        <p:spPr/>
+        <p:txBody>
+          <a:bodyPr/>
+          <a:lstStyle/>
+          <a:p>
+            <a:r>
+              <a:rPr lang="en-CA" dirty="0"/>
+              <a:t>Statistics + Probability</a:t>
+            </a:r>
+            <a:endParaRPr lang="LID4096" dirty="0"/>
+          </a:p>
+        </p:txBody>
+      </p:sp>
+      <p:sp>
+        <p:nvSpPr>
+          <p:cNvPr id="3" name="Content Placeholder 2">
+            <a:extLst>
+              <a:ext uri="{FF2B5EF4-FFF2-40B4-BE49-F238E27FC236}">
+                <a16:creationId xmlns:a16="http://schemas.microsoft.com/office/drawing/2014/main" id="{DA977847-67E3-45AE-8750-232FEF3391DC}"/>
+              </a:ext>
+            </a:extLst>
+          </p:cNvPr>
+          <p:cNvSpPr>
+            <a:spLocks noGrp="1"/>
+          </p:cNvSpPr>
+          <p:nvPr>
+            <p:ph idx="1"/>
+          </p:nvPr>
+        </p:nvSpPr>
+        <p:spPr>
+          <a:xfrm>
+            <a:off x="1451579" y="2015732"/>
+            <a:ext cx="9603275" cy="4185776"/>
+          </a:xfrm>
+        </p:spPr>
+        <p:txBody>
+          <a:bodyPr/>
+          <a:lstStyle/>
+          <a:p>
+            <a:r>
+              <a:rPr lang="en-CA" dirty="0"/>
+              <a:t>Statistics and probability are like peas in the same pod!</a:t>
+            </a:r>
+          </a:p>
+          <a:p>
+            <a:r>
+              <a:rPr lang="en-CA" dirty="0"/>
+              <a:t>What if we….</a:t>
+            </a:r>
+          </a:p>
+          <a:p>
+            <a:pPr lvl="1"/>
+            <a:r>
+              <a:rPr lang="en-CA" dirty="0"/>
+              <a:t>Collect a lot of data (statistics).</a:t>
+            </a:r>
+          </a:p>
+          <a:p>
+            <a:pPr lvl="1"/>
+            <a:r>
+              <a:rPr lang="en-CA" dirty="0"/>
+              <a:t>Do some analysis to look for patterns or trends in that data (statistics).</a:t>
+            </a:r>
+          </a:p>
+          <a:p>
+            <a:pPr lvl="1"/>
+            <a:r>
+              <a:rPr lang="en-CA" dirty="0"/>
+              <a:t>Use what we’ve learned from that data to make predictions (probability).</a:t>
+            </a:r>
+          </a:p>
+          <a:p>
+            <a:endParaRPr lang="en-CA" dirty="0"/>
+          </a:p>
+          <a:p>
+            <a:r>
+              <a:rPr lang="en-CA" dirty="0"/>
+              <a:t>Moving into machine learning, we will take some datasets, and use the probability of things occurring in our data to build tools to make predictions for the future. </a:t>
+            </a:r>
+          </a:p>
+        </p:txBody>
+      </p:sp>
+    </p:spTree>
+    <p:extLst>
+      <p:ext uri="{BB962C8B-B14F-4D97-AF65-F5344CB8AC3E}">
+        <p14:creationId xmlns:p14="http://schemas.microsoft.com/office/powerpoint/2010/main" val="2338393034"/>
+      </p:ext>
+    </p:extLst>
+  </p:cSld>
+  <p:clrMapOvr>
+    <a:masterClrMapping/>
+  </p:clrMapOvr>
+</p:sld>
+</file>
+
+<file path=ppt/slides/slide13.xml><?xml version="1.0" encoding="utf-8"?>
+<p:sld xmlns:a="http://schemas.openxmlformats.org/drawingml/2006/main" xmlns:r="http://schemas.openxmlformats.org/officeDocument/2006/relationships" xmlns:p="http://schemas.openxmlformats.org/presentationml/2006/main">
+  <p:cSld>
+    <p:spTree>
+      <p:nvGrpSpPr>
+        <p:cNvPr id="1" name=""/>
+        <p:cNvGrpSpPr/>
+        <p:nvPr/>
+      </p:nvGrpSpPr>
+      <p:grpSpPr>
+        <a:xfrm>
+          <a:off x="0" y="0"/>
+          <a:ext cx="0" cy="0"/>
+          <a:chOff x="0" y="0"/>
+          <a:chExt cx="0" cy="0"/>
+        </a:xfrm>
+      </p:grpSpPr>
+      <p:sp>
+        <p:nvSpPr>
+          <p:cNvPr id="2" name="Title 1">
+            <a:extLst>
+              <a:ext uri="{FF2B5EF4-FFF2-40B4-BE49-F238E27FC236}">
+                <a16:creationId xmlns:a16="http://schemas.microsoft.com/office/drawing/2014/main" id="{D05376BD-C78F-481F-8FCD-647B33916B42}"/>
+              </a:ext>
+            </a:extLst>
+          </p:cNvPr>
+          <p:cNvSpPr>
+            <a:spLocks noGrp="1"/>
+          </p:cNvSpPr>
+          <p:nvPr>
+            <p:ph type="title"/>
+          </p:nvPr>
+        </p:nvSpPr>
+        <p:spPr/>
+        <p:txBody>
+          <a:bodyPr/>
+          <a:lstStyle/>
+          <a:p>
+            <a:r>
+              <a:rPr lang="en-CA" dirty="0"/>
+              <a:t>But How Does That Work?</a:t>
+            </a:r>
+            <a:endParaRPr lang="LID4096" dirty="0"/>
+          </a:p>
+        </p:txBody>
+      </p:sp>
+      <p:sp>
+        <p:nvSpPr>
+          <p:cNvPr id="3" name="Content Placeholder 2">
+            <a:extLst>
+              <a:ext uri="{FF2B5EF4-FFF2-40B4-BE49-F238E27FC236}">
+                <a16:creationId xmlns:a16="http://schemas.microsoft.com/office/drawing/2014/main" id="{5502754E-C9CE-4EAC-91A9-D8C1744EA2D4}"/>
+              </a:ext>
+            </a:extLst>
+          </p:cNvPr>
+          <p:cNvSpPr>
+            <a:spLocks noGrp="1"/>
+          </p:cNvSpPr>
+          <p:nvPr>
+            <p:ph sz="half" idx="1"/>
+          </p:nvPr>
+        </p:nvSpPr>
+        <p:spPr>
+          <a:xfrm>
+            <a:off x="187569" y="2010878"/>
+            <a:ext cx="5482677" cy="3448595"/>
+          </a:xfrm>
+        </p:spPr>
+        <p:txBody>
+          <a:bodyPr/>
+          <a:lstStyle/>
+          <a:p>
+            <a:r>
+              <a:rPr lang="en-CA" dirty="0"/>
+              <a:t>Assume you work for Nike, you’re the boss of all of Nike. You make shoes.</a:t>
+            </a:r>
+          </a:p>
+          <a:p>
+            <a:r>
+              <a:rPr lang="en-CA" dirty="0"/>
+              <a:t>For each shoe, you need to make it in a bunch of different sizes.</a:t>
+            </a:r>
+          </a:p>
+          <a:p>
+            <a:r>
+              <a:rPr lang="en-CA" dirty="0"/>
+              <a:t>How many pairs do you make for each size?</a:t>
+            </a:r>
+            <a:endParaRPr lang="LID4096" dirty="0"/>
+          </a:p>
+        </p:txBody>
+      </p:sp>
+      <p:pic>
+        <p:nvPicPr>
+          <p:cNvPr id="1030" name="Picture 6" descr="Girl Holding a High Heel Shoe Thinking about Wearing it Stock Image - Image  of customer, cheap: 121095871">
+            <a:extLst>
+              <a:ext uri="{FF2B5EF4-FFF2-40B4-BE49-F238E27FC236}">
+                <a16:creationId xmlns:a16="http://schemas.microsoft.com/office/drawing/2014/main" id="{45191D27-9EA4-0532-A4F7-82586ECEA736}"/>
+              </a:ext>
+            </a:extLst>
+          </p:cNvPr>
+          <p:cNvPicPr>
+            <a:picLocks noGrp="1" noChangeAspect="1" noChangeArrowheads="1"/>
+          </p:cNvPicPr>
+          <p:nvPr>
+            <p:ph sz="half" idx="2"/>
+          </p:nvPr>
+        </p:nvPicPr>
+        <p:blipFill>
+          <a:blip r:embed="rId2">
+            <a:extLst>
+              <a:ext uri="{28A0092B-C50C-407E-A947-70E740481C1C}">
+                <a14:useLocalDpi xmlns:a14="http://schemas.microsoft.com/office/drawing/2010/main" val="0"/>
+              </a:ext>
+            </a:extLst>
+          </a:blip>
+          <a:srcRect/>
+          <a:stretch>
+            <a:fillRect/>
+          </a:stretch>
+        </p:blipFill>
+        <p:spPr bwMode="auto">
+          <a:xfrm>
+            <a:off x="5670246" y="1864194"/>
+            <a:ext cx="6521754" cy="4313868"/>
+          </a:xfrm>
+          <a:prstGeom prst="rect">
+            <a:avLst/>
+          </a:prstGeom>
+          <a:noFill/>
+          <a:extLst>
+            <a:ext uri="{909E8E84-426E-40DD-AFC4-6F175D3DCCD1}">
+              <a14:hiddenFill xmlns:a14="http://schemas.microsoft.com/office/drawing/2010/main">
+                <a:solidFill>
+                  <a:srgbClr val="FFFFFF"/>
+                </a:solidFill>
+              </a14:hiddenFill>
+            </a:ext>
+          </a:extLst>
+        </p:spPr>
+      </p:pic>
+    </p:spTree>
+    <p:extLst>
+      <p:ext uri="{BB962C8B-B14F-4D97-AF65-F5344CB8AC3E}">
+        <p14:creationId xmlns:p14="http://schemas.microsoft.com/office/powerpoint/2010/main" val="2464402068"/>
+      </p:ext>
+    </p:extLst>
+  </p:cSld>
+  <p:clrMapOvr>
+    <a:masterClrMapping/>
+  </p:clrMapOvr>
+</p:sld>
+</file>
+
+<file path=ppt/slides/slide14.xml><?xml version="1.0" encoding="utf-8"?>
+<p:sld xmlns:a="http://schemas.openxmlformats.org/drawingml/2006/main" xmlns:r="http://schemas.openxmlformats.org/officeDocument/2006/relationships" xmlns:p="http://schemas.openxmlformats.org/presentationml/2006/main">
+  <p:cSld>
+    <p:spTree>
+      <p:nvGrpSpPr>
+        <p:cNvPr id="1" name=""/>
+        <p:cNvGrpSpPr/>
+        <p:nvPr/>
+      </p:nvGrpSpPr>
+      <p:grpSpPr>
+        <a:xfrm>
+          <a:off x="0" y="0"/>
+          <a:ext cx="0" cy="0"/>
+          <a:chOff x="0" y="0"/>
+          <a:chExt cx="0" cy="0"/>
+        </a:xfrm>
+      </p:grpSpPr>
+      <p:sp>
+        <p:nvSpPr>
+          <p:cNvPr id="2" name="Title 1">
+            <a:extLst>
+              <a:ext uri="{FF2B5EF4-FFF2-40B4-BE49-F238E27FC236}">
+                <a16:creationId xmlns:a16="http://schemas.microsoft.com/office/drawing/2014/main" id="{22D5AD3E-0D0A-4310-80BF-5865B85DAC92}"/>
+              </a:ext>
+            </a:extLst>
+          </p:cNvPr>
+          <p:cNvSpPr>
+            <a:spLocks noGrp="1"/>
+          </p:cNvSpPr>
+          <p:nvPr>
+            <p:ph type="title"/>
+          </p:nvPr>
+        </p:nvSpPr>
+        <p:spPr/>
+        <p:txBody>
+          <a:bodyPr/>
+          <a:lstStyle/>
+          <a:p>
+            <a:r>
+              <a:rPr lang="en-CA" dirty="0"/>
+              <a:t>Stats and Probs to the Rescue</a:t>
+            </a:r>
+            <a:endParaRPr lang="LID4096" dirty="0"/>
+          </a:p>
+        </p:txBody>
+      </p:sp>
+      <p:sp>
+        <p:nvSpPr>
+          <p:cNvPr id="3" name="Content Placeholder 2">
+            <a:extLst>
+              <a:ext uri="{FF2B5EF4-FFF2-40B4-BE49-F238E27FC236}">
+                <a16:creationId xmlns:a16="http://schemas.microsoft.com/office/drawing/2014/main" id="{508CE6DF-6134-4DC2-84AE-1463AD796DA7}"/>
+              </a:ext>
+            </a:extLst>
+          </p:cNvPr>
+          <p:cNvSpPr>
+            <a:spLocks noGrp="1"/>
+          </p:cNvSpPr>
+          <p:nvPr>
+            <p:ph sz="half" idx="1"/>
+          </p:nvPr>
+        </p:nvSpPr>
+        <p:spPr>
+          <a:xfrm>
+            <a:off x="167640" y="2017342"/>
+            <a:ext cx="6697980" cy="4238677"/>
+          </a:xfrm>
+        </p:spPr>
+        <p:txBody>
+          <a:bodyPr>
+            <a:normAutofit/>
+          </a:bodyPr>
+          <a:lstStyle/>
+          <a:p>
+            <a:r>
+              <a:rPr lang="en-CA" dirty="0"/>
+              <a:t>Collect data on shoe sizes of the population. (Statistics)</a:t>
+            </a:r>
+          </a:p>
+          <a:p>
+            <a:pPr lvl="1"/>
+            <a:r>
+              <a:rPr lang="en-CA" dirty="0"/>
+              <a:t>This might come from some sort of survey, medical records, or more likely, old shoe sales records.</a:t>
+            </a:r>
+          </a:p>
+          <a:p>
+            <a:r>
+              <a:rPr lang="en-CA" dirty="0"/>
+              <a:t>Analyze your data to count how many people wear each size. (Statistics)</a:t>
+            </a:r>
+          </a:p>
+          <a:p>
+            <a:r>
+              <a:rPr lang="en-CA" dirty="0"/>
+              <a:t>Translate those counts to likelihood – e.g. if 13% of people wore a size 9, we should expect that </a:t>
+            </a:r>
+            <a:r>
+              <a:rPr lang="en-CA" dirty="0" err="1"/>
+              <a:t>apx</a:t>
+            </a:r>
+            <a:r>
+              <a:rPr lang="en-CA" dirty="0"/>
+              <a:t> 13% of our shoes should be a 9. (Probability)</a:t>
+            </a:r>
+          </a:p>
+          <a:p>
+            <a:r>
+              <a:rPr lang="en-CA" dirty="0"/>
+              <a:t>Thinking further – would basketball shoes be different from ballerina shoes?</a:t>
+            </a:r>
+          </a:p>
+          <a:p>
+            <a:pPr lvl="1"/>
+            <a:endParaRPr lang="LID4096" dirty="0"/>
+          </a:p>
+        </p:txBody>
+      </p:sp>
+      <p:sp>
+        <p:nvSpPr>
+          <p:cNvPr id="4" name="Content Placeholder 3">
+            <a:extLst>
+              <a:ext uri="{FF2B5EF4-FFF2-40B4-BE49-F238E27FC236}">
+                <a16:creationId xmlns:a16="http://schemas.microsoft.com/office/drawing/2014/main" id="{AEFC34D1-3D5A-4940-86CD-BCA6CD34E98C}"/>
+              </a:ext>
+            </a:extLst>
+          </p:cNvPr>
+          <p:cNvSpPr>
+            <a:spLocks noGrp="1"/>
+          </p:cNvSpPr>
+          <p:nvPr>
+            <p:ph sz="half" idx="2"/>
+          </p:nvPr>
+        </p:nvSpPr>
+        <p:spPr/>
+        <p:txBody>
+          <a:bodyPr>
+            <a:normAutofit/>
+          </a:bodyPr>
+          <a:lstStyle/>
+          <a:p>
+            <a:endParaRPr lang="LID4096"/>
+          </a:p>
+        </p:txBody>
+      </p:sp>
+      <p:pic>
+        <p:nvPicPr>
+          <p:cNvPr id="2050" name="Picture 2" descr="Careful With That Axe, Eugene: The trouble with big feet.... #66">
+            <a:extLst>
+              <a:ext uri="{FF2B5EF4-FFF2-40B4-BE49-F238E27FC236}">
+                <a16:creationId xmlns:a16="http://schemas.microsoft.com/office/drawing/2014/main" id="{00B3BABB-AF44-401A-B75D-00C34D18F12D}"/>
+              </a:ext>
+            </a:extLst>
+          </p:cNvPr>
+          <p:cNvPicPr>
+            <a:picLocks noChangeAspect="1" noChangeArrowheads="1"/>
+          </p:cNvPicPr>
+          <p:nvPr/>
+        </p:nvPicPr>
+        <p:blipFill>
+          <a:blip r:embed="rId2">
+            <a:extLst>
+              <a:ext uri="{28A0092B-C50C-407E-A947-70E740481C1C}">
+                <a14:useLocalDpi xmlns:a14="http://schemas.microsoft.com/office/drawing/2010/main" val="0"/>
+              </a:ext>
+            </a:extLst>
+          </a:blip>
+          <a:srcRect/>
+          <a:stretch>
+            <a:fillRect/>
+          </a:stretch>
+        </p:blipFill>
+        <p:spPr bwMode="auto">
+          <a:xfrm>
+            <a:off x="6963636" y="1864194"/>
+            <a:ext cx="5228364" cy="3904298"/>
+          </a:xfrm>
+          <a:prstGeom prst="rect">
+            <a:avLst/>
+          </a:prstGeom>
+          <a:noFill/>
+          <a:extLst>
+            <a:ext uri="{909E8E84-426E-40DD-AFC4-6F175D3DCCD1}">
+              <a14:hiddenFill xmlns:a14="http://schemas.microsoft.com/office/drawing/2010/main">
+                <a:solidFill>
+                  <a:srgbClr val="FFFFFF"/>
+                </a:solidFill>
+              </a14:hiddenFill>
+            </a:ext>
+          </a:extLst>
+        </p:spPr>
+      </p:pic>
+    </p:spTree>
+    <p:extLst>
+      <p:ext uri="{BB962C8B-B14F-4D97-AF65-F5344CB8AC3E}">
+        <p14:creationId xmlns:p14="http://schemas.microsoft.com/office/powerpoint/2010/main" val="2353513517"/>
+      </p:ext>
+    </p:extLst>
+  </p:cSld>
+  <p:clrMapOvr>
+    <a:masterClrMapping/>
+  </p:clrMapOvr>
+</p:sld>
+</file>
+
+<file path=ppt/slides/slide15.xml><?xml version="1.0" encoding="utf-8"?>
+<p:sld xmlns:a="http://schemas.openxmlformats.org/drawingml/2006/main" xmlns:r="http://schemas.openxmlformats.org/officeDocument/2006/relationships" xmlns:p="http://schemas.openxmlformats.org/presentationml/2006/main">
+  <p:cSld>
+    <p:spTree>
+      <p:nvGrpSpPr>
+        <p:cNvPr id="1" name=""/>
+        <p:cNvGrpSpPr/>
+        <p:nvPr/>
+      </p:nvGrpSpPr>
+      <p:grpSpPr>
+        <a:xfrm>
+          <a:off x="0" y="0"/>
+          <a:ext cx="0" cy="0"/>
+          <a:chOff x="0" y="0"/>
+          <a:chExt cx="0" cy="0"/>
+        </a:xfrm>
+      </p:grpSpPr>
+      <p:sp>
+        <p:nvSpPr>
+          <p:cNvPr id="2" name="Title 1">
+            <a:extLst>
+              <a:ext uri="{FF2B5EF4-FFF2-40B4-BE49-F238E27FC236}">
+                <a16:creationId xmlns:a16="http://schemas.microsoft.com/office/drawing/2014/main" id="{D7A2951D-B12D-4FF8-B694-36E3148623F7}"/>
+              </a:ext>
+            </a:extLst>
+          </p:cNvPr>
+          <p:cNvSpPr>
+            <a:spLocks noGrp="1"/>
+          </p:cNvSpPr>
+          <p:nvPr>
+            <p:ph type="title"/>
+          </p:nvPr>
+        </p:nvSpPr>
+        <p:spPr/>
+        <p:txBody>
+          <a:bodyPr/>
+          <a:lstStyle/>
+          <a:p>
+            <a:r>
+              <a:rPr lang="en-CA" dirty="0"/>
+              <a:t>Ok, Cool Bro. But I’m Still Waiting for the AI Part</a:t>
+            </a:r>
+            <a:endParaRPr lang="LID4096" dirty="0"/>
+          </a:p>
+        </p:txBody>
+      </p:sp>
+      <p:sp>
+        <p:nvSpPr>
+          <p:cNvPr id="3" name="Content Placeholder 2">
+            <a:extLst>
+              <a:ext uri="{FF2B5EF4-FFF2-40B4-BE49-F238E27FC236}">
+                <a16:creationId xmlns:a16="http://schemas.microsoft.com/office/drawing/2014/main" id="{6EF5EBEE-39D8-4078-A8AD-E9A7C45B3D2D}"/>
+              </a:ext>
+            </a:extLst>
+          </p:cNvPr>
+          <p:cNvSpPr>
+            <a:spLocks noGrp="1"/>
+          </p:cNvSpPr>
+          <p:nvPr>
+            <p:ph idx="1"/>
+          </p:nvPr>
+        </p:nvSpPr>
+        <p:spPr>
+          <a:xfrm>
+            <a:off x="830580" y="2015732"/>
+            <a:ext cx="10751819" cy="3836428"/>
+          </a:xfrm>
+        </p:spPr>
+        <p:txBody>
+          <a:bodyPr/>
+          <a:lstStyle/>
+          <a:p>
+            <a:r>
+              <a:rPr lang="en-CA" dirty="0"/>
+              <a:t>That interaction is the core thing that allows analytics (data mining/machine learning/AI) to function.</a:t>
+            </a:r>
+          </a:p>
+          <a:p>
+            <a:r>
+              <a:rPr lang="en-CA" dirty="0"/>
+              <a:t>When creating predictive models we do the same thing, only the computer does more of the heavy lifting:</a:t>
+            </a:r>
+          </a:p>
+          <a:p>
+            <a:pPr lvl="1"/>
+            <a:r>
+              <a:rPr lang="en-CA" dirty="0"/>
+              <a:t>Point the algorithm at the data.</a:t>
+            </a:r>
+          </a:p>
+          <a:p>
+            <a:pPr lvl="1"/>
+            <a:r>
+              <a:rPr lang="en-CA" dirty="0"/>
+              <a:t>The algorithm does some fancy math (just like our chart), and learns how to make predictions.</a:t>
+            </a:r>
+          </a:p>
+          <a:p>
+            <a:pPr lvl="2"/>
+            <a:r>
+              <a:rPr lang="en-CA" dirty="0"/>
+              <a:t>The outcome of this is what we call a predictive model. It takes in some data, and spits out a prediction.</a:t>
+            </a:r>
+          </a:p>
+          <a:p>
+            <a:pPr lvl="1"/>
+            <a:r>
+              <a:rPr lang="en-CA" dirty="0"/>
+              <a:t>We can use that model to make predictions for future situations, just like choosing shoe sizes to make.</a:t>
+            </a:r>
+          </a:p>
+          <a:p>
+            <a:r>
+              <a:rPr lang="en-CA" dirty="0"/>
+              <a:t>Predictive analytics is basically just applied statistics! </a:t>
+            </a:r>
+          </a:p>
+          <a:p>
+            <a:pPr lvl="1"/>
+            <a:endParaRPr lang="LID4096" dirty="0"/>
+          </a:p>
+        </p:txBody>
+      </p:sp>
+    </p:spTree>
+    <p:extLst>
+      <p:ext uri="{BB962C8B-B14F-4D97-AF65-F5344CB8AC3E}">
+        <p14:creationId xmlns:p14="http://schemas.microsoft.com/office/powerpoint/2010/main" val="941568987"/>
+      </p:ext>
+    </p:extLst>
+  </p:cSld>
+  <p:clrMapOvr>
+    <a:masterClrMapping/>
+  </p:clrMapOvr>
+</p:sld>
+</file>
+
+<file path=ppt/slides/slide16.xml><?xml version="1.0" encoding="utf-8"?>
+<p:sld xmlns:a="http://schemas.openxmlformats.org/drawingml/2006/main" xmlns:r="http://schemas.openxmlformats.org/officeDocument/2006/relationships" xmlns:p="http://schemas.openxmlformats.org/presentationml/2006/main">
+  <p:cSld>
+    <p:spTree>
+      <p:nvGrpSpPr>
+        <p:cNvPr id="1" name=""/>
+        <p:cNvGrpSpPr/>
+        <p:nvPr/>
+      </p:nvGrpSpPr>
+      <p:grpSpPr>
+        <a:xfrm>
+          <a:off x="0" y="0"/>
+          <a:ext cx="0" cy="0"/>
+          <a:chOff x="0" y="0"/>
+          <a:chExt cx="0" cy="0"/>
+        </a:xfrm>
+      </p:grpSpPr>
+      <p:sp>
+        <p:nvSpPr>
+          <p:cNvPr id="2" name="Title 1">
+            <a:extLst>
+              <a:ext uri="{FF2B5EF4-FFF2-40B4-BE49-F238E27FC236}">
+                <a16:creationId xmlns:a16="http://schemas.microsoft.com/office/drawing/2014/main" id="{FB03CA23-6875-4B11-8789-11BAA689D02A}"/>
+              </a:ext>
+            </a:extLst>
+          </p:cNvPr>
+          <p:cNvSpPr>
+            <a:spLocks noGrp="1"/>
+          </p:cNvSpPr>
+          <p:nvPr>
+            <p:ph type="title"/>
+          </p:nvPr>
+        </p:nvSpPr>
+        <p:spPr/>
+        <p:txBody>
+          <a:bodyPr/>
+          <a:lstStyle/>
+          <a:p>
+            <a:r>
+              <a:rPr lang="en-CA" dirty="0"/>
+              <a:t>SO what will all this do for me?</a:t>
+            </a:r>
+            <a:endParaRPr lang="LID4096" dirty="0"/>
+          </a:p>
+        </p:txBody>
+      </p:sp>
+      <p:sp>
+        <p:nvSpPr>
+          <p:cNvPr id="3" name="Content Placeholder 2">
+            <a:extLst>
+              <a:ext uri="{FF2B5EF4-FFF2-40B4-BE49-F238E27FC236}">
+                <a16:creationId xmlns:a16="http://schemas.microsoft.com/office/drawing/2014/main" id="{85FDD2EA-E5D2-404A-8920-14BAAF8C3326}"/>
+              </a:ext>
+            </a:extLst>
+          </p:cNvPr>
+          <p:cNvSpPr>
+            <a:spLocks noGrp="1"/>
+          </p:cNvSpPr>
+          <p:nvPr>
+            <p:ph idx="1"/>
+          </p:nvPr>
+        </p:nvSpPr>
+        <p:spPr>
+          <a:xfrm>
+            <a:off x="906781" y="2015732"/>
+            <a:ext cx="10454640" cy="4037749"/>
+          </a:xfrm>
+        </p:spPr>
+        <p:txBody>
+          <a:bodyPr>
+            <a:normAutofit/>
+          </a:bodyPr>
+          <a:lstStyle/>
+          <a:p>
+            <a:r>
+              <a:rPr lang="en-CA" dirty="0"/>
+              <a:t>Understanding stats and probability helps us understand what we are doing with analytics.</a:t>
+            </a:r>
+          </a:p>
+          <a:p>
+            <a:pPr lvl="1"/>
+            <a:r>
+              <a:rPr lang="en-CA" dirty="0"/>
+              <a:t>Understanding of the foundations of machine learning concepts. </a:t>
+            </a:r>
+          </a:p>
+          <a:p>
+            <a:pPr lvl="1"/>
+            <a:r>
+              <a:rPr lang="en-CA" dirty="0"/>
+              <a:t>Diagnose errors, problems, or poor performance. </a:t>
+            </a:r>
+          </a:p>
+          <a:p>
+            <a:pPr lvl="1"/>
+            <a:r>
+              <a:rPr lang="en-CA" dirty="0"/>
+              <a:t>Communicate efficiently with others (stats is the language of data).</a:t>
+            </a:r>
+          </a:p>
+          <a:p>
+            <a:pPr lvl="1"/>
+            <a:r>
+              <a:rPr lang="en-CA" dirty="0"/>
+              <a:t>Make better and faster decisions on what data and techniques to use.</a:t>
+            </a:r>
+          </a:p>
+          <a:p>
+            <a:pPr lvl="1"/>
+            <a:r>
+              <a:rPr lang="en-CA" dirty="0"/>
+              <a:t>Evaluate results more comprehensively.</a:t>
+            </a:r>
+          </a:p>
+          <a:p>
+            <a:pPr lvl="1"/>
+            <a:r>
+              <a:rPr lang="en-CA" dirty="0"/>
+              <a:t>Make more accurate predictive models! </a:t>
+            </a:r>
+          </a:p>
+          <a:p>
+            <a:r>
+              <a:rPr lang="en-CA" dirty="0"/>
+              <a:t>Knowing stats isn’t strictly necessary to do analytics, but to do it well, it is. </a:t>
+            </a:r>
+          </a:p>
+          <a:p>
+            <a:r>
+              <a:rPr lang="en-CA" dirty="0"/>
+              <a:t>The more advanced you get, the more likely stats will matter. </a:t>
+            </a:r>
+            <a:endParaRPr lang="LID4096" dirty="0"/>
+          </a:p>
+        </p:txBody>
+      </p:sp>
+    </p:spTree>
+    <p:extLst>
+      <p:ext uri="{BB962C8B-B14F-4D97-AF65-F5344CB8AC3E}">
+        <p14:creationId xmlns:p14="http://schemas.microsoft.com/office/powerpoint/2010/main" val="1817559363"/>
+      </p:ext>
+    </p:extLst>
+  </p:cSld>
+  <p:clrMapOvr>
+    <a:masterClrMapping/>
+  </p:clrMapOvr>
+</p:sld>
+</file>
+
+<file path=ppt/slides/slide17.xml><?xml version="1.0" encoding="utf-8"?>
+<p:sld xmlns:a="http://schemas.openxmlformats.org/drawingml/2006/main" xmlns:r="http://schemas.openxmlformats.org/officeDocument/2006/relationships" xmlns:p="http://schemas.openxmlformats.org/presentationml/2006/main">
+  <p:cSld>
+    <p:spTree>
+      <p:nvGrpSpPr>
+        <p:cNvPr id="1" name=""/>
+        <p:cNvGrpSpPr/>
+        <p:nvPr/>
+      </p:nvGrpSpPr>
+      <p:grpSpPr>
+        <a:xfrm>
+          <a:off x="0" y="0"/>
+          <a:ext cx="0" cy="0"/>
+          <a:chOff x="0" y="0"/>
+          <a:chExt cx="0" cy="0"/>
+        </a:xfrm>
+      </p:grpSpPr>
+      <p:sp>
+        <p:nvSpPr>
+          <p:cNvPr id="2" name="Title 1">
+            <a:extLst>
+              <a:ext uri="{FF2B5EF4-FFF2-40B4-BE49-F238E27FC236}">
                 <a16:creationId xmlns:a16="http://schemas.microsoft.com/office/drawing/2014/main" id="{0D1B14DB-438A-A54F-B9F2-7D7E9AAB8275}"/>
               </a:ext>
             </a:extLst>
@@ -4670,7 +5519,7 @@
 </p:sld>
 </file>
 
-<file path=ppt/slides/slide12.xml><?xml version="1.0" encoding="utf-8"?>
+<file path=ppt/slides/slide18.xml><?xml version="1.0" encoding="utf-8"?>
 <p:sld xmlns:a="http://schemas.openxmlformats.org/drawingml/2006/main" xmlns:r="http://schemas.openxmlformats.org/officeDocument/2006/relationships" xmlns:p="http://schemas.openxmlformats.org/presentationml/2006/main">
   <p:cSld>
     <p:bg>
@@ -5291,7 +6140,7 @@
 </p:sld>
 </file>
 
-<file path=ppt/slides/slide13.xml><?xml version="1.0" encoding="utf-8"?>
+<file path=ppt/slides/slide19.xml><?xml version="1.0" encoding="utf-8"?>
 <p:sld xmlns:a="http://schemas.openxmlformats.org/drawingml/2006/main" xmlns:r="http://schemas.openxmlformats.org/officeDocument/2006/relationships" xmlns:p="http://schemas.openxmlformats.org/presentationml/2006/main">
   <p:cSld>
     <p:spTree>
@@ -5394,7 +6243,7 @@
 </p:sld>
 </file>
 
-<file path=ppt/slides/slide14.xml><?xml version="1.0" encoding="utf-8"?>
+<file path=ppt/slides/slide2.xml><?xml version="1.0" encoding="utf-8"?>
 <p:sld xmlns:a="http://schemas.openxmlformats.org/drawingml/2006/main" xmlns:r="http://schemas.openxmlformats.org/officeDocument/2006/relationships" xmlns:p="http://schemas.openxmlformats.org/presentationml/2006/main">
   <p:cSld>
     <p:spTree>
@@ -5416,7 +6265,7 @@
           <p:cNvPr id="2" name="Title 1">
             <a:extLst>
               <a:ext uri="{FF2B5EF4-FFF2-40B4-BE49-F238E27FC236}">
-                <a16:creationId xmlns:a16="http://schemas.microsoft.com/office/drawing/2014/main" id="{64AC2E2C-CC08-48B5-AE03-C7CE362C2339}"/>
+                <a16:creationId xmlns:a16="http://schemas.microsoft.com/office/drawing/2014/main" id="{60211F7B-684B-7C17-E662-65D5DC9A6FA3}"/>
               </a:ext>
             </a:extLst>
           </p:cNvPr>
@@ -5433,10 +6282,9 @@
           <a:lstStyle/>
           <a:p>
             <a:r>
-              <a:rPr lang="en-CA" dirty="0"/>
-              <a:t>Data in Python</a:t>
-            </a:r>
-            <a:endParaRPr lang="LID4096" dirty="0"/>
+              <a:rPr lang="en-US" dirty="0"/>
+              <a:t>About me</a:t>
+            </a:r>
           </a:p>
         </p:txBody>
       </p:sp>
@@ -5445,7 +6293,7 @@
           <p:cNvPr id="3" name="Content Placeholder 2">
             <a:extLst>
               <a:ext uri="{FF2B5EF4-FFF2-40B4-BE49-F238E27FC236}">
-                <a16:creationId xmlns:a16="http://schemas.microsoft.com/office/drawing/2014/main" id="{12D626A5-C2C3-4E23-8FAB-DFECF7D45079}"/>
+                <a16:creationId xmlns:a16="http://schemas.microsoft.com/office/drawing/2014/main" id="{801225EF-2DB7-394A-CE05-792F189C464E}"/>
               </a:ext>
             </a:extLst>
           </p:cNvPr>
@@ -5461,61 +6309,14 @@
           <a:bodyPr/>
           <a:lstStyle/>
           <a:p>
-            <a:r>
-              <a:rPr lang="en-CA" dirty="0"/>
-              <a:t>Stats is all about data, so we first need to get data into Python. </a:t>
-            </a:r>
-          </a:p>
-          <a:p>
-            <a:r>
-              <a:rPr lang="en-CA" dirty="0"/>
-              <a:t>In programming, data is stored in something called a data structure.</a:t>
-            </a:r>
-          </a:p>
-          <a:p>
-            <a:pPr lvl="1"/>
-            <a:r>
-              <a:rPr lang="en-CA" dirty="0"/>
-              <a:t>Data structures are ‘containers’ for data.</a:t>
-            </a:r>
-          </a:p>
-          <a:p>
-            <a:pPr lvl="1"/>
-            <a:r>
-              <a:rPr lang="en-CA" dirty="0"/>
-              <a:t>Each data structure facilitates different ways to store, access, and manipulate data.</a:t>
-            </a:r>
-          </a:p>
-          <a:p>
-            <a:pPr lvl="1"/>
-            <a:r>
-              <a:rPr lang="en-CA" dirty="0"/>
-              <a:t>Different structures are good for different things.</a:t>
-            </a:r>
-          </a:p>
-          <a:p>
-            <a:r>
-              <a:rPr lang="en-CA" dirty="0"/>
-              <a:t>Python has lots of data structures, and they can </a:t>
-            </a:r>
-            <a:r>
-              <a:rPr lang="en-CA"/>
-              <a:t>get confusing. </a:t>
-            </a:r>
-            <a:endParaRPr lang="en-CA" dirty="0"/>
-          </a:p>
-          <a:p>
-            <a:r>
-              <a:rPr lang="en-CA" dirty="0"/>
-              <a:t>Make sure you pay attention to this part in the programming course!!!</a:t>
-            </a:r>
+            <a:endParaRPr lang="en-US"/>
           </a:p>
         </p:txBody>
       </p:sp>
     </p:spTree>
     <p:extLst>
       <p:ext uri="{BB962C8B-B14F-4D97-AF65-F5344CB8AC3E}">
-        <p14:creationId xmlns:p14="http://schemas.microsoft.com/office/powerpoint/2010/main" val="1142475321"/>
+        <p14:creationId xmlns:p14="http://schemas.microsoft.com/office/powerpoint/2010/main" val="3948899667"/>
       </p:ext>
     </p:extLst>
   </p:cSld>
@@ -5525,7 +6326,7 @@
 </p:sld>
 </file>
 
-<file path=ppt/slides/slide15.xml><?xml version="1.0" encoding="utf-8"?>
+<file path=ppt/slides/slide20.xml><?xml version="1.0" encoding="utf-8"?>
 <p:sld xmlns:a="http://schemas.openxmlformats.org/drawingml/2006/main" xmlns:r="http://schemas.openxmlformats.org/officeDocument/2006/relationships" xmlns:p="http://schemas.openxmlformats.org/presentationml/2006/main">
   <p:cSld>
     <p:spTree>
@@ -5547,7 +6348,7 @@
           <p:cNvPr id="2" name="Title 1">
             <a:extLst>
               <a:ext uri="{FF2B5EF4-FFF2-40B4-BE49-F238E27FC236}">
-                <a16:creationId xmlns:a16="http://schemas.microsoft.com/office/drawing/2014/main" id="{605E1467-1787-0148-8F2B-6439813A8600}"/>
+                <a16:creationId xmlns:a16="http://schemas.microsoft.com/office/drawing/2014/main" id="{64AC2E2C-CC08-48B5-AE03-C7CE362C2339}"/>
               </a:ext>
             </a:extLst>
           </p:cNvPr>
@@ -5564,9 +6365,10 @@
           <a:lstStyle/>
           <a:p>
             <a:r>
-              <a:rPr lang="en-US" dirty="0"/>
-              <a:t>Basics</a:t>
-            </a:r>
+              <a:rPr lang="en-CA" dirty="0"/>
+              <a:t>Data in Python</a:t>
+            </a:r>
+            <a:endParaRPr lang="LID4096" dirty="0"/>
           </a:p>
         </p:txBody>
       </p:sp>
@@ -5575,7 +6377,7 @@
           <p:cNvPr id="3" name="Content Placeholder 2">
             <a:extLst>
               <a:ext uri="{FF2B5EF4-FFF2-40B4-BE49-F238E27FC236}">
-                <a16:creationId xmlns:a16="http://schemas.microsoft.com/office/drawing/2014/main" id="{B38C6701-9CAB-4344-A472-F4C6EF81459B}"/>
+                <a16:creationId xmlns:a16="http://schemas.microsoft.com/office/drawing/2014/main" id="{12D626A5-C2C3-4E23-8FAB-DFECF7D45079}"/>
               </a:ext>
             </a:extLst>
           </p:cNvPr>
@@ -5592,44 +6394,52 @@
           <a:lstStyle/>
           <a:p>
             <a:r>
-              <a:rPr lang="en-US" dirty="0"/>
-              <a:t>In statistics, the Population is every instance of that item.</a:t>
+              <a:rPr lang="en-CA" dirty="0"/>
+              <a:t>Stats is all about data, so we first need to get data into Python. </a:t>
+            </a:r>
+          </a:p>
+          <a:p>
+            <a:r>
+              <a:rPr lang="en-CA" dirty="0"/>
+              <a:t>In programming, data is stored in something called a data structure.</a:t>
             </a:r>
           </a:p>
           <a:p>
             <a:pPr lvl="1"/>
             <a:r>
-              <a:rPr lang="en-US" dirty="0"/>
-              <a:t>E.g. All people who attend NAIT. </a:t>
-            </a:r>
-          </a:p>
-          <a:p>
-            <a:r>
-              <a:rPr lang="en-US" dirty="0"/>
-              <a:t>A sample is a subset of the population.</a:t>
+              <a:rPr lang="en-CA" dirty="0"/>
+              <a:t>Data structures are ‘containers’ for data.</a:t>
             </a:r>
           </a:p>
           <a:p>
             <a:pPr lvl="1"/>
             <a:r>
-              <a:rPr lang="en-US" dirty="0"/>
-              <a:t>E.g. People who responded to a school wide survey. </a:t>
+              <a:rPr lang="en-CA" dirty="0"/>
+              <a:t>Each data structure facilitates different ways to store, access, and manipulate data.</a:t>
             </a:r>
           </a:p>
           <a:p>
             <a:pPr lvl="1"/>
-            <a:endParaRPr lang="en-US" dirty="0"/>
-          </a:p>
-          <a:p>
-            <a:r>
-              <a:rPr lang="en-US" dirty="0"/>
-              <a:t>We usually have a sample of data.</a:t>
-            </a:r>
-          </a:p>
-          <a:p>
-            <a:r>
-              <a:rPr lang="en-US" dirty="0"/>
-              <a:t>Think: how does what is in the sample impact our calculations?</a:t>
+            <a:r>
+              <a:rPr lang="en-CA" dirty="0"/>
+              <a:t>Different structures are good for different things.</a:t>
+            </a:r>
+          </a:p>
+          <a:p>
+            <a:r>
+              <a:rPr lang="en-CA" dirty="0"/>
+              <a:t>Python has lots of data structures, and they can </a:t>
+            </a:r>
+            <a:r>
+              <a:rPr lang="en-CA"/>
+              <a:t>get confusing. </a:t>
+            </a:r>
+            <a:endParaRPr lang="en-CA" dirty="0"/>
+          </a:p>
+          <a:p>
+            <a:r>
+              <a:rPr lang="en-CA" dirty="0"/>
+              <a:t>Make sure you pay attention to this part in the programming course!!!</a:t>
             </a:r>
           </a:p>
         </p:txBody>
@@ -5637,7 +6447,7 @@
     </p:spTree>
     <p:extLst>
       <p:ext uri="{BB962C8B-B14F-4D97-AF65-F5344CB8AC3E}">
-        <p14:creationId xmlns:p14="http://schemas.microsoft.com/office/powerpoint/2010/main" val="2415633895"/>
+        <p14:creationId xmlns:p14="http://schemas.microsoft.com/office/powerpoint/2010/main" val="1142475321"/>
       </p:ext>
     </p:extLst>
   </p:cSld>
@@ -5647,7 +6457,7 @@
 </p:sld>
 </file>
 
-<file path=ppt/slides/slide16.xml><?xml version="1.0" encoding="utf-8"?>
+<file path=ppt/slides/slide21.xml><?xml version="1.0" encoding="utf-8"?>
 <p:sld xmlns:a="http://schemas.openxmlformats.org/drawingml/2006/main" xmlns:r="http://schemas.openxmlformats.org/officeDocument/2006/relationships" xmlns:p="http://schemas.openxmlformats.org/presentationml/2006/main">
   <p:cSld>
     <p:spTree>
@@ -5669,6 +6479,128 @@
           <p:cNvPr id="2" name="Title 1">
             <a:extLst>
               <a:ext uri="{FF2B5EF4-FFF2-40B4-BE49-F238E27FC236}">
+                <a16:creationId xmlns:a16="http://schemas.microsoft.com/office/drawing/2014/main" id="{605E1467-1787-0148-8F2B-6439813A8600}"/>
+              </a:ext>
+            </a:extLst>
+          </p:cNvPr>
+          <p:cNvSpPr>
+            <a:spLocks noGrp="1"/>
+          </p:cNvSpPr>
+          <p:nvPr>
+            <p:ph type="title"/>
+          </p:nvPr>
+        </p:nvSpPr>
+        <p:spPr/>
+        <p:txBody>
+          <a:bodyPr/>
+          <a:lstStyle/>
+          <a:p>
+            <a:r>
+              <a:rPr lang="en-US" dirty="0"/>
+              <a:t>Basics</a:t>
+            </a:r>
+          </a:p>
+        </p:txBody>
+      </p:sp>
+      <p:sp>
+        <p:nvSpPr>
+          <p:cNvPr id="3" name="Content Placeholder 2">
+            <a:extLst>
+              <a:ext uri="{FF2B5EF4-FFF2-40B4-BE49-F238E27FC236}">
+                <a16:creationId xmlns:a16="http://schemas.microsoft.com/office/drawing/2014/main" id="{B38C6701-9CAB-4344-A472-F4C6EF81459B}"/>
+              </a:ext>
+            </a:extLst>
+          </p:cNvPr>
+          <p:cNvSpPr>
+            <a:spLocks noGrp="1"/>
+          </p:cNvSpPr>
+          <p:nvPr>
+            <p:ph idx="1"/>
+          </p:nvPr>
+        </p:nvSpPr>
+        <p:spPr/>
+        <p:txBody>
+          <a:bodyPr/>
+          <a:lstStyle/>
+          <a:p>
+            <a:r>
+              <a:rPr lang="en-US" dirty="0"/>
+              <a:t>In statistics, the Population is every instance of that item.</a:t>
+            </a:r>
+          </a:p>
+          <a:p>
+            <a:pPr lvl="1"/>
+            <a:r>
+              <a:rPr lang="en-US" dirty="0"/>
+              <a:t>E.g. All people who attend NAIT. </a:t>
+            </a:r>
+          </a:p>
+          <a:p>
+            <a:r>
+              <a:rPr lang="en-US" dirty="0"/>
+              <a:t>A sample is a subset of the population.</a:t>
+            </a:r>
+          </a:p>
+          <a:p>
+            <a:pPr lvl="1"/>
+            <a:r>
+              <a:rPr lang="en-US" dirty="0"/>
+              <a:t>E.g. People who responded to a school wide survey. </a:t>
+            </a:r>
+          </a:p>
+          <a:p>
+            <a:pPr lvl="1"/>
+            <a:endParaRPr lang="en-US" dirty="0"/>
+          </a:p>
+          <a:p>
+            <a:r>
+              <a:rPr lang="en-US" dirty="0"/>
+              <a:t>We usually have a sample of data.</a:t>
+            </a:r>
+          </a:p>
+          <a:p>
+            <a:r>
+              <a:rPr lang="en-US" dirty="0"/>
+              <a:t>Think: how does what is in the sample impact our calculations?</a:t>
+            </a:r>
+          </a:p>
+        </p:txBody>
+      </p:sp>
+    </p:spTree>
+    <p:extLst>
+      <p:ext uri="{BB962C8B-B14F-4D97-AF65-F5344CB8AC3E}">
+        <p14:creationId xmlns:p14="http://schemas.microsoft.com/office/powerpoint/2010/main" val="2415633895"/>
+      </p:ext>
+    </p:extLst>
+  </p:cSld>
+  <p:clrMapOvr>
+    <a:masterClrMapping/>
+  </p:clrMapOvr>
+</p:sld>
+</file>
+
+<file path=ppt/slides/slide22.xml><?xml version="1.0" encoding="utf-8"?>
+<p:sld xmlns:a="http://schemas.openxmlformats.org/drawingml/2006/main" xmlns:r="http://schemas.openxmlformats.org/officeDocument/2006/relationships" xmlns:p="http://schemas.openxmlformats.org/presentationml/2006/main">
+  <p:cSld>
+    <p:spTree>
+      <p:nvGrpSpPr>
+        <p:cNvPr id="1" name=""/>
+        <p:cNvGrpSpPr/>
+        <p:nvPr/>
+      </p:nvGrpSpPr>
+      <p:grpSpPr>
+        <a:xfrm>
+          <a:off x="0" y="0"/>
+          <a:ext cx="0" cy="0"/>
+          <a:chOff x="0" y="0"/>
+          <a:chExt cx="0" cy="0"/>
+        </a:xfrm>
+      </p:grpSpPr>
+      <p:sp>
+        <p:nvSpPr>
+          <p:cNvPr id="2" name="Title 1">
+            <a:extLst>
+              <a:ext uri="{FF2B5EF4-FFF2-40B4-BE49-F238E27FC236}">
                 <a16:creationId xmlns:a16="http://schemas.microsoft.com/office/drawing/2014/main" id="{CFB97F38-3F1F-4045-9D92-6E326CC825EF}"/>
               </a:ext>
             </a:extLst>
@@ -5871,7 +6803,107 @@
 </p:sld>
 </file>
 
-<file path=ppt/slides/slide17.xml><?xml version="1.0" encoding="utf-8"?>
+<file path=ppt/slides/slide23.xml><?xml version="1.0" encoding="utf-8"?>
+<p:sld xmlns:a="http://schemas.openxmlformats.org/drawingml/2006/main" xmlns:r="http://schemas.openxmlformats.org/officeDocument/2006/relationships" xmlns:p="http://schemas.openxmlformats.org/presentationml/2006/main">
+  <p:cSld>
+    <p:spTree>
+      <p:nvGrpSpPr>
+        <p:cNvPr id="1" name=""/>
+        <p:cNvGrpSpPr/>
+        <p:nvPr/>
+      </p:nvGrpSpPr>
+      <p:grpSpPr>
+        <a:xfrm>
+          <a:off x="0" y="0"/>
+          <a:ext cx="0" cy="0"/>
+          <a:chOff x="0" y="0"/>
+          <a:chExt cx="0" cy="0"/>
+        </a:xfrm>
+      </p:grpSpPr>
+      <p:sp>
+        <p:nvSpPr>
+          <p:cNvPr id="2" name="Title 1">
+            <a:extLst>
+              <a:ext uri="{FF2B5EF4-FFF2-40B4-BE49-F238E27FC236}">
+                <a16:creationId xmlns:a16="http://schemas.microsoft.com/office/drawing/2014/main" id="{3D58A2C0-FE76-50D5-82E4-53A6319F207A}"/>
+              </a:ext>
+            </a:extLst>
+          </p:cNvPr>
+          <p:cNvSpPr>
+            <a:spLocks noGrp="1"/>
+          </p:cNvSpPr>
+          <p:nvPr>
+            <p:ph type="title"/>
+          </p:nvPr>
+        </p:nvSpPr>
+        <p:spPr/>
+        <p:txBody>
+          <a:bodyPr/>
+          <a:lstStyle/>
+          <a:p>
+            <a:r>
+              <a:rPr lang="en-US" dirty="0"/>
+              <a:t>Data Format</a:t>
+            </a:r>
+          </a:p>
+        </p:txBody>
+      </p:sp>
+      <p:sp>
+        <p:nvSpPr>
+          <p:cNvPr id="3" name="Content Placeholder 2">
+            <a:extLst>
+              <a:ext uri="{FF2B5EF4-FFF2-40B4-BE49-F238E27FC236}">
+                <a16:creationId xmlns:a16="http://schemas.microsoft.com/office/drawing/2014/main" id="{608AB9B1-83C5-96BA-7530-355099CFD376}"/>
+              </a:ext>
+            </a:extLst>
+          </p:cNvPr>
+          <p:cNvSpPr>
+            <a:spLocks noGrp="1"/>
+          </p:cNvSpPr>
+          <p:nvPr>
+            <p:ph idx="1"/>
+          </p:nvPr>
+        </p:nvSpPr>
+        <p:spPr/>
+        <p:txBody>
+          <a:bodyPr/>
+          <a:lstStyle/>
+          <a:p>
+            <a:r>
+              <a:rPr lang="en-US" dirty="0"/>
+              <a:t>We generally deal with 2D tables of data, often called a datasheet. </a:t>
+            </a:r>
+          </a:p>
+          <a:p>
+            <a:pPr lvl="1"/>
+            <a:r>
+              <a:rPr lang="en-US" dirty="0"/>
+              <a:t>Each row is an example, or instance, of a thing. </a:t>
+            </a:r>
+          </a:p>
+          <a:p>
+            <a:pPr lvl="1"/>
+            <a:r>
+              <a:rPr lang="en-US" dirty="0"/>
+              <a:t>Each column is an attribute, or variable, describing that thing. </a:t>
+            </a:r>
+          </a:p>
+        </p:txBody>
+      </p:sp>
+    </p:spTree>
+    <p:extLst>
+      <p:ext uri="{BB962C8B-B14F-4D97-AF65-F5344CB8AC3E}">
+        <p14:creationId xmlns:p14="http://schemas.microsoft.com/office/powerpoint/2010/main" val="2928852017"/>
+      </p:ext>
+    </p:extLst>
+  </p:cSld>
+  <p:clrMapOvr>
+    <a:masterClrMapping/>
+  </p:clrMapOvr>
+</p:sld>
+</file>
+
+<file path=ppt/slides/slide24.xml><?xml version="1.0" encoding="utf-8"?>
 <p:sld xmlns:a="http://schemas.openxmlformats.org/drawingml/2006/main" xmlns:r="http://schemas.openxmlformats.org/officeDocument/2006/relationships" xmlns:p="http://schemas.openxmlformats.org/presentationml/2006/main">
   <p:cSld>
     <p:spTree>
@@ -5985,7 +7017,117 @@
 </p:sld>
 </file>
 
-<file path=ppt/slides/slide18.xml><?xml version="1.0" encoding="utf-8"?>
+<file path=ppt/slides/slide25.xml><?xml version="1.0" encoding="utf-8"?>
+<p:sld xmlns:a="http://schemas.openxmlformats.org/drawingml/2006/main" xmlns:r="http://schemas.openxmlformats.org/officeDocument/2006/relationships" xmlns:p="http://schemas.openxmlformats.org/presentationml/2006/main">
+  <p:cSld>
+    <p:spTree>
+      <p:nvGrpSpPr>
+        <p:cNvPr id="1" name=""/>
+        <p:cNvGrpSpPr/>
+        <p:nvPr/>
+      </p:nvGrpSpPr>
+      <p:grpSpPr>
+        <a:xfrm>
+          <a:off x="0" y="0"/>
+          <a:ext cx="0" cy="0"/>
+          <a:chOff x="0" y="0"/>
+          <a:chExt cx="0" cy="0"/>
+        </a:xfrm>
+      </p:grpSpPr>
+      <p:sp>
+        <p:nvSpPr>
+          <p:cNvPr id="2" name="Title 1">
+            <a:extLst>
+              <a:ext uri="{FF2B5EF4-FFF2-40B4-BE49-F238E27FC236}">
+                <a16:creationId xmlns:a16="http://schemas.microsoft.com/office/drawing/2014/main" id="{209D0959-2D38-1D23-965B-80DEF112CF2B}"/>
+              </a:ext>
+            </a:extLst>
+          </p:cNvPr>
+          <p:cNvSpPr>
+            <a:spLocks noGrp="1"/>
+          </p:cNvSpPr>
+          <p:nvPr>
+            <p:ph type="title"/>
+          </p:nvPr>
+        </p:nvSpPr>
+        <p:spPr/>
+        <p:txBody>
+          <a:bodyPr/>
+          <a:lstStyle/>
+          <a:p>
+            <a:r>
+              <a:rPr lang="en-US" dirty="0"/>
+              <a:t>Values In a Dataset</a:t>
+            </a:r>
+          </a:p>
+        </p:txBody>
+      </p:sp>
+      <p:sp>
+        <p:nvSpPr>
+          <p:cNvPr id="3" name="Content Placeholder 2">
+            <a:extLst>
+              <a:ext uri="{FF2B5EF4-FFF2-40B4-BE49-F238E27FC236}">
+                <a16:creationId xmlns:a16="http://schemas.microsoft.com/office/drawing/2014/main" id="{66206CFD-149C-2DE8-B567-868556DFCADB}"/>
+              </a:ext>
+            </a:extLst>
+          </p:cNvPr>
+          <p:cNvSpPr>
+            <a:spLocks noGrp="1"/>
+          </p:cNvSpPr>
+          <p:nvPr>
+            <p:ph idx="1"/>
+          </p:nvPr>
+        </p:nvSpPr>
+        <p:spPr/>
+        <p:txBody>
+          <a:bodyPr/>
+          <a:lstStyle/>
+          <a:p>
+            <a:r>
+              <a:rPr lang="en-US" dirty="0"/>
+              <a:t>Each of these values is a certain type of value. </a:t>
+            </a:r>
+          </a:p>
+          <a:p>
+            <a:r>
+              <a:rPr lang="en-US" dirty="0"/>
+              <a:t>Some values are descriptors, like name or hair color. </a:t>
+            </a:r>
+          </a:p>
+          <a:p>
+            <a:r>
+              <a:rPr lang="en-US" dirty="0"/>
+              <a:t>Some values are measurements, like height or bank account balance. </a:t>
+            </a:r>
+          </a:p>
+          <a:p>
+            <a:endParaRPr lang="en-US" dirty="0"/>
+          </a:p>
+          <a:p>
+            <a:r>
+              <a:rPr lang="en-US" dirty="0"/>
+              <a:t>We can break datatypes into a few divisions…</a:t>
+            </a:r>
+          </a:p>
+          <a:p>
+            <a:endParaRPr lang="en-US" dirty="0"/>
+          </a:p>
+        </p:txBody>
+      </p:sp>
+    </p:spTree>
+    <p:extLst>
+      <p:ext uri="{BB962C8B-B14F-4D97-AF65-F5344CB8AC3E}">
+        <p14:creationId xmlns:p14="http://schemas.microsoft.com/office/powerpoint/2010/main" val="227828569"/>
+      </p:ext>
+    </p:extLst>
+  </p:cSld>
+  <p:clrMapOvr>
+    <a:masterClrMapping/>
+  </p:clrMapOvr>
+</p:sld>
+</file>
+
+<file path=ppt/slides/slide26.xml><?xml version="1.0" encoding="utf-8"?>
 <p:sld xmlns:a="http://schemas.openxmlformats.org/drawingml/2006/main" xmlns:r="http://schemas.openxmlformats.org/officeDocument/2006/relationships" xmlns:p="http://schemas.openxmlformats.org/presentationml/2006/main">
   <p:cSld>
     <p:spTree>
@@ -6112,7 +7254,7 @@
 </p:sld>
 </file>
 
-<file path=ppt/slides/slide19.xml><?xml version="1.0" encoding="utf-8"?>
+<file path=ppt/slides/slide27.xml><?xml version="1.0" encoding="utf-8"?>
 <p:sld xmlns:a="http://schemas.openxmlformats.org/drawingml/2006/main" xmlns:r="http://schemas.openxmlformats.org/officeDocument/2006/relationships" xmlns:p="http://schemas.openxmlformats.org/presentationml/2006/main">
   <p:cSld>
     <p:bg>
@@ -6665,7 +7807,1030 @@
 </p:sld>
 </file>
 
-<file path=ppt/slides/slide2.xml><?xml version="1.0" encoding="utf-8"?>
+<file path=ppt/slides/slide28.xml><?xml version="1.0" encoding="utf-8"?>
+<p:sld xmlns:a="http://schemas.openxmlformats.org/drawingml/2006/main" xmlns:r="http://schemas.openxmlformats.org/officeDocument/2006/relationships" xmlns:p="http://schemas.openxmlformats.org/presentationml/2006/main">
+  <p:cSld>
+    <p:spTree>
+      <p:nvGrpSpPr>
+        <p:cNvPr id="1" name=""/>
+        <p:cNvGrpSpPr/>
+        <p:nvPr/>
+      </p:nvGrpSpPr>
+      <p:grpSpPr>
+        <a:xfrm>
+          <a:off x="0" y="0"/>
+          <a:ext cx="0" cy="0"/>
+          <a:chOff x="0" y="0"/>
+          <a:chExt cx="0" cy="0"/>
+        </a:xfrm>
+      </p:grpSpPr>
+      <p:sp>
+        <p:nvSpPr>
+          <p:cNvPr id="2" name="Title 1">
+            <a:extLst>
+              <a:ext uri="{FF2B5EF4-FFF2-40B4-BE49-F238E27FC236}">
+                <a16:creationId xmlns:a16="http://schemas.microsoft.com/office/drawing/2014/main" id="{43326F2D-DA32-BAB3-C500-3584DDC0D732}"/>
+              </a:ext>
+            </a:extLst>
+          </p:cNvPr>
+          <p:cNvSpPr>
+            <a:spLocks noGrp="1"/>
+          </p:cNvSpPr>
+          <p:nvPr>
+            <p:ph type="title"/>
+          </p:nvPr>
+        </p:nvSpPr>
+        <p:spPr/>
+        <p:txBody>
+          <a:bodyPr/>
+          <a:lstStyle/>
+          <a:p>
+            <a:endParaRPr lang="en-US"/>
+          </a:p>
+        </p:txBody>
+      </p:sp>
+      <p:sp>
+        <p:nvSpPr>
+          <p:cNvPr id="3" name="Content Placeholder 2">
+            <a:extLst>
+              <a:ext uri="{FF2B5EF4-FFF2-40B4-BE49-F238E27FC236}">
+                <a16:creationId xmlns:a16="http://schemas.microsoft.com/office/drawing/2014/main" id="{F7ED3C96-5F23-A713-648C-6FC522443F1C}"/>
+              </a:ext>
+            </a:extLst>
+          </p:cNvPr>
+          <p:cNvSpPr>
+            <a:spLocks noGrp="1"/>
+          </p:cNvSpPr>
+          <p:nvPr>
+            <p:ph idx="1"/>
+          </p:nvPr>
+        </p:nvSpPr>
+        <p:spPr/>
+        <p:txBody>
+          <a:bodyPr/>
+          <a:lstStyle/>
+          <a:p>
+            <a:endParaRPr lang="en-US"/>
+          </a:p>
+        </p:txBody>
+      </p:sp>
+      <p:pic>
+        <p:nvPicPr>
+          <p:cNvPr id="1026" name="Picture 2" descr="Categorical vs. Quantitative Variables: Definition + Examples">
+            <a:extLst>
+              <a:ext uri="{FF2B5EF4-FFF2-40B4-BE49-F238E27FC236}">
+                <a16:creationId xmlns:a16="http://schemas.microsoft.com/office/drawing/2014/main" id="{2C2D6919-CA07-5629-962D-8EDFF3527F70}"/>
+              </a:ext>
+            </a:extLst>
+          </p:cNvPr>
+          <p:cNvPicPr>
+            <a:picLocks noChangeAspect="1" noChangeArrowheads="1"/>
+          </p:cNvPicPr>
+          <p:nvPr/>
+        </p:nvPicPr>
+        <p:blipFill>
+          <a:blip r:embed="rId2">
+            <a:extLst>
+              <a:ext uri="{28A0092B-C50C-407E-A947-70E740481C1C}">
+                <a14:useLocalDpi xmlns:a14="http://schemas.microsoft.com/office/drawing/2010/main" val="0"/>
+              </a:ext>
+            </a:extLst>
+          </a:blip>
+          <a:srcRect/>
+          <a:stretch>
+            <a:fillRect/>
+          </a:stretch>
+        </p:blipFill>
+        <p:spPr bwMode="auto">
+          <a:xfrm>
+            <a:off x="584200" y="927100"/>
+            <a:ext cx="11023600" cy="5003800"/>
+          </a:xfrm>
+          <a:prstGeom prst="rect">
+            <a:avLst/>
+          </a:prstGeom>
+          <a:noFill/>
+          <a:extLst>
+            <a:ext uri="{909E8E84-426E-40DD-AFC4-6F175D3DCCD1}">
+              <a14:hiddenFill xmlns:a14="http://schemas.microsoft.com/office/drawing/2010/main">
+                <a:solidFill>
+                  <a:srgbClr val="FFFFFF"/>
+                </a:solidFill>
+              </a14:hiddenFill>
+            </a:ext>
+          </a:extLst>
+        </p:spPr>
+      </p:pic>
+    </p:spTree>
+    <p:extLst>
+      <p:ext uri="{BB962C8B-B14F-4D97-AF65-F5344CB8AC3E}">
+        <p14:creationId xmlns:p14="http://schemas.microsoft.com/office/powerpoint/2010/main" val="1206951957"/>
+      </p:ext>
+    </p:extLst>
+  </p:cSld>
+  <p:clrMapOvr>
+    <a:masterClrMapping/>
+  </p:clrMapOvr>
+</p:sld>
+</file>
+
+<file path=ppt/slides/slide29.xml><?xml version="1.0" encoding="utf-8"?>
+<p:sld xmlns:a="http://schemas.openxmlformats.org/drawingml/2006/main" xmlns:r="http://schemas.openxmlformats.org/officeDocument/2006/relationships" xmlns:p="http://schemas.openxmlformats.org/presentationml/2006/main">
+  <p:cSld>
+    <p:spTree>
+      <p:nvGrpSpPr>
+        <p:cNvPr id="1" name=""/>
+        <p:cNvGrpSpPr/>
+        <p:nvPr/>
+      </p:nvGrpSpPr>
+      <p:grpSpPr>
+        <a:xfrm>
+          <a:off x="0" y="0"/>
+          <a:ext cx="0" cy="0"/>
+          <a:chOff x="0" y="0"/>
+          <a:chExt cx="0" cy="0"/>
+        </a:xfrm>
+      </p:grpSpPr>
+      <p:sp>
+        <p:nvSpPr>
+          <p:cNvPr id="2" name="Title 1">
+            <a:extLst>
+              <a:ext uri="{FF2B5EF4-FFF2-40B4-BE49-F238E27FC236}">
+                <a16:creationId xmlns:a16="http://schemas.microsoft.com/office/drawing/2014/main" id="{B69E27B7-A425-9373-D607-84A95AA4E1D3}"/>
+              </a:ext>
+            </a:extLst>
+          </p:cNvPr>
+          <p:cNvSpPr>
+            <a:spLocks noGrp="1"/>
+          </p:cNvSpPr>
+          <p:nvPr>
+            <p:ph type="title"/>
+          </p:nvPr>
+        </p:nvSpPr>
+        <p:spPr/>
+        <p:txBody>
+          <a:bodyPr/>
+          <a:lstStyle/>
+          <a:p>
+            <a:r>
+              <a:rPr lang="en-US" dirty="0"/>
+              <a:t>Data Types</a:t>
+            </a:r>
+          </a:p>
+        </p:txBody>
+      </p:sp>
+      <p:sp>
+        <p:nvSpPr>
+          <p:cNvPr id="3" name="Content Placeholder 2">
+            <a:extLst>
+              <a:ext uri="{FF2B5EF4-FFF2-40B4-BE49-F238E27FC236}">
+                <a16:creationId xmlns:a16="http://schemas.microsoft.com/office/drawing/2014/main" id="{FA9050EB-CD12-70E6-9CA2-B57130D60DD5}"/>
+              </a:ext>
+            </a:extLst>
+          </p:cNvPr>
+          <p:cNvSpPr>
+            <a:spLocks noGrp="1"/>
+          </p:cNvSpPr>
+          <p:nvPr>
+            <p:ph idx="1"/>
+          </p:nvPr>
+        </p:nvSpPr>
+        <p:spPr/>
+        <p:txBody>
+          <a:bodyPr/>
+          <a:lstStyle/>
+          <a:p>
+            <a:r>
+              <a:rPr lang="en-US" dirty="0"/>
+              <a:t>The split between numerical and categorical is critical. </a:t>
+            </a:r>
+          </a:p>
+          <a:p>
+            <a:pPr lvl="1"/>
+            <a:r>
+              <a:rPr lang="en-US" dirty="0"/>
+              <a:t>Predicting categorical vs numerical values when we get to ML is different. </a:t>
+            </a:r>
+          </a:p>
+          <a:p>
+            <a:pPr lvl="1"/>
+            <a:r>
+              <a:rPr lang="en-US" dirty="0"/>
+              <a:t>How we analyze and process categorical vs numerical values is different. </a:t>
+            </a:r>
+          </a:p>
+        </p:txBody>
+      </p:sp>
+    </p:spTree>
+    <p:extLst>
+      <p:ext uri="{BB962C8B-B14F-4D97-AF65-F5344CB8AC3E}">
+        <p14:creationId xmlns:p14="http://schemas.microsoft.com/office/powerpoint/2010/main" val="1902763456"/>
+      </p:ext>
+    </p:extLst>
+  </p:cSld>
+  <p:clrMapOvr>
+    <a:masterClrMapping/>
+  </p:clrMapOvr>
+</p:sld>
+</file>
+
+<file path=ppt/slides/slide3.xml><?xml version="1.0" encoding="utf-8"?>
+<p:sld xmlns:a="http://schemas.openxmlformats.org/drawingml/2006/main" xmlns:r="http://schemas.openxmlformats.org/officeDocument/2006/relationships" xmlns:p="http://schemas.openxmlformats.org/presentationml/2006/main">
+  <p:cSld>
+    <p:spTree>
+      <p:nvGrpSpPr>
+        <p:cNvPr id="1" name=""/>
+        <p:cNvGrpSpPr/>
+        <p:nvPr/>
+      </p:nvGrpSpPr>
+      <p:grpSpPr>
+        <a:xfrm>
+          <a:off x="0" y="0"/>
+          <a:ext cx="0" cy="0"/>
+          <a:chOff x="0" y="0"/>
+          <a:chExt cx="0" cy="0"/>
+        </a:xfrm>
+      </p:grpSpPr>
+      <p:sp>
+        <p:nvSpPr>
+          <p:cNvPr id="2" name="Title 1">
+            <a:extLst>
+              <a:ext uri="{FF2B5EF4-FFF2-40B4-BE49-F238E27FC236}">
+                <a16:creationId xmlns:a16="http://schemas.microsoft.com/office/drawing/2014/main" id="{15525E26-3B97-9282-509C-3FF64B7CBA58}"/>
+              </a:ext>
+            </a:extLst>
+          </p:cNvPr>
+          <p:cNvSpPr>
+            <a:spLocks noGrp="1"/>
+          </p:cNvSpPr>
+          <p:nvPr>
+            <p:ph type="title"/>
+          </p:nvPr>
+        </p:nvSpPr>
+        <p:spPr/>
+        <p:txBody>
+          <a:bodyPr/>
+          <a:lstStyle/>
+          <a:p>
+            <a:r>
+              <a:rPr lang="en-US" dirty="0"/>
+              <a:t>About the Course</a:t>
+            </a:r>
+          </a:p>
+        </p:txBody>
+      </p:sp>
+      <p:sp>
+        <p:nvSpPr>
+          <p:cNvPr id="3" name="Content Placeholder 2">
+            <a:extLst>
+              <a:ext uri="{FF2B5EF4-FFF2-40B4-BE49-F238E27FC236}">
+                <a16:creationId xmlns:a16="http://schemas.microsoft.com/office/drawing/2014/main" id="{E5F3A957-F4C8-EE93-716B-C604DB67043D}"/>
+              </a:ext>
+            </a:extLst>
+          </p:cNvPr>
+          <p:cNvSpPr>
+            <a:spLocks noGrp="1"/>
+          </p:cNvSpPr>
+          <p:nvPr>
+            <p:ph idx="1"/>
+          </p:nvPr>
+        </p:nvSpPr>
+        <p:spPr/>
+        <p:txBody>
+          <a:bodyPr/>
+          <a:lstStyle/>
+          <a:p>
+            <a:r>
+              <a:rPr lang="en-US" dirty="0"/>
+              <a:t>This course covers the foundations of statistics that are relevant to machine learning. </a:t>
+            </a:r>
+          </a:p>
+          <a:p>
+            <a:r>
+              <a:rPr lang="en-US" dirty="0"/>
+              <a:t>We’ll cover these stats concepts through programming in python. </a:t>
+            </a:r>
+          </a:p>
+          <a:p>
+            <a:r>
+              <a:rPr lang="en-US" dirty="0"/>
+              <a:t>Towards the end of the semester, the stats will build into the beginnings of machine learning. </a:t>
+            </a:r>
+          </a:p>
+        </p:txBody>
+      </p:sp>
+    </p:spTree>
+    <p:extLst>
+      <p:ext uri="{BB962C8B-B14F-4D97-AF65-F5344CB8AC3E}">
+        <p14:creationId xmlns:p14="http://schemas.microsoft.com/office/powerpoint/2010/main" val="2021448165"/>
+      </p:ext>
+    </p:extLst>
+  </p:cSld>
+  <p:clrMapOvr>
+    <a:masterClrMapping/>
+  </p:clrMapOvr>
+</p:sld>
+</file>
+
+<file path=ppt/slides/slide30.xml><?xml version="1.0" encoding="utf-8"?>
+<p:sld xmlns:a="http://schemas.openxmlformats.org/drawingml/2006/main" xmlns:r="http://schemas.openxmlformats.org/officeDocument/2006/relationships" xmlns:p="http://schemas.openxmlformats.org/presentationml/2006/main" show="0">
+  <p:cSld>
+    <p:spTree>
+      <p:nvGrpSpPr>
+        <p:cNvPr id="1" name=""/>
+        <p:cNvGrpSpPr/>
+        <p:nvPr/>
+      </p:nvGrpSpPr>
+      <p:grpSpPr>
+        <a:xfrm>
+          <a:off x="0" y="0"/>
+          <a:ext cx="0" cy="0"/>
+          <a:chOff x="0" y="0"/>
+          <a:chExt cx="0" cy="0"/>
+        </a:xfrm>
+      </p:grpSpPr>
+      <p:sp>
+        <p:nvSpPr>
+          <p:cNvPr id="2" name="Title 1">
+            <a:extLst>
+              <a:ext uri="{FF2B5EF4-FFF2-40B4-BE49-F238E27FC236}">
+                <a16:creationId xmlns:a16="http://schemas.microsoft.com/office/drawing/2014/main" id="{2B0DD83B-0F16-9544-9FE0-F557FBD9EFF9}"/>
+              </a:ext>
+            </a:extLst>
+          </p:cNvPr>
+          <p:cNvSpPr>
+            <a:spLocks noGrp="1"/>
+          </p:cNvSpPr>
+          <p:nvPr>
+            <p:ph type="title"/>
+          </p:nvPr>
+        </p:nvSpPr>
+        <p:spPr/>
+        <p:txBody>
+          <a:bodyPr/>
+          <a:lstStyle/>
+          <a:p>
+            <a:r>
+              <a:rPr lang="en-US" dirty="0"/>
+              <a:t>Data Types</a:t>
+            </a:r>
+          </a:p>
+        </p:txBody>
+      </p:sp>
+      <p:sp>
+        <p:nvSpPr>
+          <p:cNvPr id="3" name="Content Placeholder 2">
+            <a:extLst>
+              <a:ext uri="{FF2B5EF4-FFF2-40B4-BE49-F238E27FC236}">
+                <a16:creationId xmlns:a16="http://schemas.microsoft.com/office/drawing/2014/main" id="{54314B2C-0CA9-B34B-B179-9C963FB75BC4}"/>
+              </a:ext>
+            </a:extLst>
+          </p:cNvPr>
+          <p:cNvSpPr>
+            <a:spLocks noGrp="1"/>
+          </p:cNvSpPr>
+          <p:nvPr>
+            <p:ph idx="1"/>
+          </p:nvPr>
+        </p:nvSpPr>
+        <p:spPr/>
+        <p:txBody>
+          <a:bodyPr/>
+          <a:lstStyle/>
+          <a:p>
+            <a:r>
+              <a:rPr lang="en-US" dirty="0"/>
+              <a:t>Think about how you would describe different types of data.</a:t>
+            </a:r>
+          </a:p>
+          <a:p>
+            <a:r>
+              <a:rPr lang="en-US" dirty="0"/>
+              <a:t>E.g. if you explained how much people sleep or what the gender distribution is based on the survey data…</a:t>
+            </a:r>
+          </a:p>
+          <a:p>
+            <a:endParaRPr lang="en-US" dirty="0"/>
+          </a:p>
+          <a:p>
+            <a:r>
+              <a:rPr lang="en-US" dirty="0"/>
+              <a:t>There’s different metrics and ways to deal with </a:t>
+            </a:r>
+            <a:r>
+              <a:rPr lang="en-US"/>
+              <a:t>different data. </a:t>
+            </a:r>
+            <a:endParaRPr lang="en-US" dirty="0"/>
+          </a:p>
+        </p:txBody>
+      </p:sp>
+    </p:spTree>
+    <p:extLst>
+      <p:ext uri="{BB962C8B-B14F-4D97-AF65-F5344CB8AC3E}">
+        <p14:creationId xmlns:p14="http://schemas.microsoft.com/office/powerpoint/2010/main" val="3696996984"/>
+      </p:ext>
+    </p:extLst>
+  </p:cSld>
+  <p:clrMapOvr>
+    <a:masterClrMapping/>
+  </p:clrMapOvr>
+</p:sld>
+</file>
+
+<file path=ppt/slides/slide31.xml><?xml version="1.0" encoding="utf-8"?>
+<p:sld xmlns:a="http://schemas.openxmlformats.org/drawingml/2006/main" xmlns:r="http://schemas.openxmlformats.org/officeDocument/2006/relationships" xmlns:p="http://schemas.openxmlformats.org/presentationml/2006/main">
+  <p:cSld>
+    <p:spTree>
+      <p:nvGrpSpPr>
+        <p:cNvPr id="1" name=""/>
+        <p:cNvGrpSpPr/>
+        <p:nvPr/>
+      </p:nvGrpSpPr>
+      <p:grpSpPr>
+        <a:xfrm>
+          <a:off x="0" y="0"/>
+          <a:ext cx="0" cy="0"/>
+          <a:chOff x="0" y="0"/>
+          <a:chExt cx="0" cy="0"/>
+        </a:xfrm>
+      </p:grpSpPr>
+      <p:sp>
+        <p:nvSpPr>
+          <p:cNvPr id="2" name="Title 1">
+            <a:extLst>
+              <a:ext uri="{FF2B5EF4-FFF2-40B4-BE49-F238E27FC236}">
+                <a16:creationId xmlns:a16="http://schemas.microsoft.com/office/drawing/2014/main" id="{138DAAF2-2EEB-894A-966F-FB0ADE066B10}"/>
+              </a:ext>
+            </a:extLst>
+          </p:cNvPr>
+          <p:cNvSpPr>
+            <a:spLocks noGrp="1"/>
+          </p:cNvSpPr>
+          <p:nvPr>
+            <p:ph type="title"/>
+          </p:nvPr>
+        </p:nvSpPr>
+        <p:spPr/>
+        <p:txBody>
+          <a:bodyPr/>
+          <a:lstStyle/>
+          <a:p>
+            <a:r>
+              <a:rPr lang="en-US" dirty="0"/>
+              <a:t>Ok, Time to Program…</a:t>
+            </a:r>
+          </a:p>
+        </p:txBody>
+      </p:sp>
+      <p:sp>
+        <p:nvSpPr>
+          <p:cNvPr id="3" name="Content Placeholder 2">
+            <a:extLst>
+              <a:ext uri="{FF2B5EF4-FFF2-40B4-BE49-F238E27FC236}">
+                <a16:creationId xmlns:a16="http://schemas.microsoft.com/office/drawing/2014/main" id="{A73C1275-6D2C-6248-9ACF-5E9A3C035E17}"/>
+              </a:ext>
+            </a:extLst>
+          </p:cNvPr>
+          <p:cNvSpPr>
+            <a:spLocks noGrp="1"/>
+          </p:cNvSpPr>
+          <p:nvPr>
+            <p:ph idx="1"/>
+          </p:nvPr>
+        </p:nvSpPr>
+        <p:spPr/>
+        <p:txBody>
+          <a:bodyPr/>
+          <a:lstStyle/>
+          <a:p>
+            <a:endParaRPr lang="en-US"/>
+          </a:p>
+        </p:txBody>
+      </p:sp>
+      <p:pic>
+        <p:nvPicPr>
+          <p:cNvPr id="2050" name="Picture 2" descr="How realistic are these 21 coders from movies and TV shows? - SD Times">
+            <a:extLst>
+              <a:ext uri="{FF2B5EF4-FFF2-40B4-BE49-F238E27FC236}">
+                <a16:creationId xmlns:a16="http://schemas.microsoft.com/office/drawing/2014/main" id="{4C2DEB73-60BC-5249-8D22-F335A341B4FF}"/>
+              </a:ext>
+            </a:extLst>
+          </p:cNvPr>
+          <p:cNvPicPr>
+            <a:picLocks noChangeAspect="1" noChangeArrowheads="1"/>
+          </p:cNvPicPr>
+          <p:nvPr/>
+        </p:nvPicPr>
+        <p:blipFill>
+          <a:blip r:embed="rId2">
+            <a:extLst>
+              <a:ext uri="{28A0092B-C50C-407E-A947-70E740481C1C}">
+                <a14:useLocalDpi xmlns:a14="http://schemas.microsoft.com/office/drawing/2010/main" val="0"/>
+              </a:ext>
+            </a:extLst>
+          </a:blip>
+          <a:srcRect/>
+          <a:stretch>
+            <a:fillRect/>
+          </a:stretch>
+        </p:blipFill>
+        <p:spPr bwMode="auto">
+          <a:xfrm>
+            <a:off x="1937919" y="1623407"/>
+            <a:ext cx="8316161" cy="4672115"/>
+          </a:xfrm>
+          <a:prstGeom prst="rect">
+            <a:avLst/>
+          </a:prstGeom>
+          <a:noFill/>
+          <a:extLst>
+            <a:ext uri="{909E8E84-426E-40DD-AFC4-6F175D3DCCD1}">
+              <a14:hiddenFill xmlns:a14="http://schemas.microsoft.com/office/drawing/2010/main">
+                <a:solidFill>
+                  <a:srgbClr val="FFFFFF"/>
+                </a:solidFill>
+              </a14:hiddenFill>
+            </a:ext>
+          </a:extLst>
+        </p:spPr>
+      </p:pic>
+    </p:spTree>
+    <p:extLst>
+      <p:ext uri="{BB962C8B-B14F-4D97-AF65-F5344CB8AC3E}">
+        <p14:creationId xmlns:p14="http://schemas.microsoft.com/office/powerpoint/2010/main" val="1280559544"/>
+      </p:ext>
+    </p:extLst>
+  </p:cSld>
+  <p:clrMapOvr>
+    <a:masterClrMapping/>
+  </p:clrMapOvr>
+</p:sld>
+</file>
+
+<file path=ppt/slides/slide4.xml><?xml version="1.0" encoding="utf-8"?>
+<p:sld xmlns:a="http://schemas.openxmlformats.org/drawingml/2006/main" xmlns:r="http://schemas.openxmlformats.org/officeDocument/2006/relationships" xmlns:p="http://schemas.openxmlformats.org/presentationml/2006/main">
+  <p:cSld>
+    <p:spTree>
+      <p:nvGrpSpPr>
+        <p:cNvPr id="1" name=""/>
+        <p:cNvGrpSpPr/>
+        <p:nvPr/>
+      </p:nvGrpSpPr>
+      <p:grpSpPr>
+        <a:xfrm>
+          <a:off x="0" y="0"/>
+          <a:ext cx="0" cy="0"/>
+          <a:chOff x="0" y="0"/>
+          <a:chExt cx="0" cy="0"/>
+        </a:xfrm>
+      </p:grpSpPr>
+      <p:sp>
+        <p:nvSpPr>
+          <p:cNvPr id="2" name="Title 1">
+            <a:extLst>
+              <a:ext uri="{FF2B5EF4-FFF2-40B4-BE49-F238E27FC236}">
+                <a16:creationId xmlns:a16="http://schemas.microsoft.com/office/drawing/2014/main" id="{609076FB-BF0B-D4B9-430F-597F581062E8}"/>
+              </a:ext>
+            </a:extLst>
+          </p:cNvPr>
+          <p:cNvSpPr>
+            <a:spLocks noGrp="1"/>
+          </p:cNvSpPr>
+          <p:nvPr>
+            <p:ph type="title"/>
+          </p:nvPr>
+        </p:nvSpPr>
+        <p:spPr/>
+        <p:txBody>
+          <a:bodyPr/>
+          <a:lstStyle/>
+          <a:p>
+            <a:r>
+              <a:rPr lang="en-US" dirty="0"/>
+              <a:t>What do you need?</a:t>
+            </a:r>
+          </a:p>
+        </p:txBody>
+      </p:sp>
+      <p:sp>
+        <p:nvSpPr>
+          <p:cNvPr id="3" name="Content Placeholder 2">
+            <a:extLst>
+              <a:ext uri="{FF2B5EF4-FFF2-40B4-BE49-F238E27FC236}">
+                <a16:creationId xmlns:a16="http://schemas.microsoft.com/office/drawing/2014/main" id="{7CA041C3-C7AA-1D64-0124-4797E9DC1733}"/>
+              </a:ext>
+            </a:extLst>
+          </p:cNvPr>
+          <p:cNvSpPr>
+            <a:spLocks noGrp="1"/>
+          </p:cNvSpPr>
+          <p:nvPr>
+            <p:ph idx="1"/>
+          </p:nvPr>
+        </p:nvSpPr>
+        <p:spPr>
+          <a:xfrm>
+            <a:off x="1451579" y="2015732"/>
+            <a:ext cx="9603275" cy="4037749"/>
+          </a:xfrm>
+        </p:spPr>
+        <p:txBody>
+          <a:bodyPr>
+            <a:normAutofit/>
+          </a:bodyPr>
+          <a:lstStyle/>
+          <a:p>
+            <a:r>
+              <a:rPr lang="en-US" dirty="0"/>
+              <a:t>Bad news – there is a bunch of stuff needed for the course. </a:t>
+            </a:r>
+          </a:p>
+          <a:p>
+            <a:r>
+              <a:rPr lang="en-US" dirty="0"/>
+              <a:t>Good news – it is all free and most of it is also used in industry. </a:t>
+            </a:r>
+          </a:p>
+          <a:p>
+            <a:r>
+              <a:rPr lang="en-US" dirty="0"/>
+              <a:t>Worse news – getting everyone setup and ready to go can be annoying, and you’ll all probably hate me by the end of today. It does get better though!</a:t>
+            </a:r>
+          </a:p>
+          <a:p>
+            <a:endParaRPr lang="en-US" dirty="0"/>
+          </a:p>
+          <a:p>
+            <a:r>
+              <a:rPr lang="en-US" dirty="0"/>
+              <a:t>Setup:</a:t>
+            </a:r>
+          </a:p>
+          <a:p>
+            <a:pPr lvl="1"/>
+            <a:r>
+              <a:rPr lang="en-US" dirty="0"/>
+              <a:t>We’ll start getting things setup in a few minutes. </a:t>
+            </a:r>
+          </a:p>
+          <a:p>
+            <a:pPr lvl="1"/>
+            <a:r>
+              <a:rPr lang="en-US" dirty="0"/>
+              <a:t>Use the link on Moodle to download “Anaconda”, it contains most of what we need to install. </a:t>
+            </a:r>
+          </a:p>
+        </p:txBody>
+      </p:sp>
+    </p:spTree>
+    <p:extLst>
+      <p:ext uri="{BB962C8B-B14F-4D97-AF65-F5344CB8AC3E}">
+        <p14:creationId xmlns:p14="http://schemas.microsoft.com/office/powerpoint/2010/main" val="4187623591"/>
+      </p:ext>
+    </p:extLst>
+  </p:cSld>
+  <p:clrMapOvr>
+    <a:masterClrMapping/>
+  </p:clrMapOvr>
+</p:sld>
+</file>
+
+<file path=ppt/slides/slide5.xml><?xml version="1.0" encoding="utf-8"?>
+<p:sld xmlns:a="http://schemas.openxmlformats.org/drawingml/2006/main" xmlns:r="http://schemas.openxmlformats.org/officeDocument/2006/relationships" xmlns:p="http://schemas.openxmlformats.org/presentationml/2006/main">
+  <p:cSld>
+    <p:spTree>
+      <p:nvGrpSpPr>
+        <p:cNvPr id="1" name=""/>
+        <p:cNvGrpSpPr/>
+        <p:nvPr/>
+      </p:nvGrpSpPr>
+      <p:grpSpPr>
+        <a:xfrm>
+          <a:off x="0" y="0"/>
+          <a:ext cx="0" cy="0"/>
+          <a:chOff x="0" y="0"/>
+          <a:chExt cx="0" cy="0"/>
+        </a:xfrm>
+      </p:grpSpPr>
+      <p:sp>
+        <p:nvSpPr>
+          <p:cNvPr id="2" name="Title 1">
+            <a:extLst>
+              <a:ext uri="{FF2B5EF4-FFF2-40B4-BE49-F238E27FC236}">
+                <a16:creationId xmlns:a16="http://schemas.microsoft.com/office/drawing/2014/main" id="{E18E4C36-15BB-51ED-8732-4EB2A7842C6D}"/>
+              </a:ext>
+            </a:extLst>
+          </p:cNvPr>
+          <p:cNvSpPr>
+            <a:spLocks noGrp="1"/>
+          </p:cNvSpPr>
+          <p:nvPr>
+            <p:ph type="title"/>
+          </p:nvPr>
+        </p:nvSpPr>
+        <p:spPr/>
+        <p:txBody>
+          <a:bodyPr/>
+          <a:lstStyle/>
+          <a:p>
+            <a:r>
+              <a:rPr lang="en-US" dirty="0"/>
+              <a:t>Logistics</a:t>
+            </a:r>
+          </a:p>
+        </p:txBody>
+      </p:sp>
+      <p:sp>
+        <p:nvSpPr>
+          <p:cNvPr id="3" name="Content Placeholder 2">
+            <a:extLst>
+              <a:ext uri="{FF2B5EF4-FFF2-40B4-BE49-F238E27FC236}">
+                <a16:creationId xmlns:a16="http://schemas.microsoft.com/office/drawing/2014/main" id="{CA695424-FC74-8F8D-08A4-43E7C7120256}"/>
+              </a:ext>
+            </a:extLst>
+          </p:cNvPr>
+          <p:cNvSpPr>
+            <a:spLocks noGrp="1"/>
+          </p:cNvSpPr>
+          <p:nvPr>
+            <p:ph idx="1"/>
+          </p:nvPr>
+        </p:nvSpPr>
+        <p:spPr>
+          <a:xfrm>
+            <a:off x="1451579" y="2015732"/>
+            <a:ext cx="9603275" cy="4138883"/>
+          </a:xfrm>
+        </p:spPr>
+        <p:txBody>
+          <a:bodyPr/>
+          <a:lstStyle/>
+          <a:p>
+            <a:r>
+              <a:rPr lang="en-US" dirty="0"/>
+              <a:t>Most classes will be:</a:t>
+            </a:r>
+          </a:p>
+          <a:p>
+            <a:pPr lvl="1"/>
+            <a:r>
+              <a:rPr lang="en-US" dirty="0"/>
+              <a:t>A bit of new content – lecture, example, </a:t>
+            </a:r>
+            <a:r>
+              <a:rPr lang="en-US" dirty="0" err="1"/>
+              <a:t>etc</a:t>
+            </a:r>
+            <a:r>
+              <a:rPr lang="en-US" dirty="0"/>
+              <a:t>…</a:t>
+            </a:r>
+          </a:p>
+          <a:p>
+            <a:pPr lvl="1"/>
+            <a:r>
+              <a:rPr lang="en-US" dirty="0"/>
+              <a:t>Walk through some hands-on examples. </a:t>
+            </a:r>
+          </a:p>
+          <a:p>
+            <a:pPr lvl="1"/>
+            <a:r>
+              <a:rPr lang="en-US" dirty="0"/>
+              <a:t>Work through some practice examples and ask questions if there are problems. </a:t>
+            </a:r>
+          </a:p>
+          <a:p>
+            <a:r>
+              <a:rPr lang="en-US" dirty="0"/>
+              <a:t>Key content:</a:t>
+            </a:r>
+          </a:p>
+          <a:p>
+            <a:pPr lvl="1"/>
+            <a:r>
+              <a:rPr lang="en-US" dirty="0"/>
+              <a:t>Textbook and workbook</a:t>
+            </a:r>
+          </a:p>
+          <a:p>
+            <a:pPr lvl="1"/>
+            <a:r>
+              <a:rPr lang="en-US" dirty="0"/>
+              <a:t>In-class workbooks </a:t>
+            </a:r>
+          </a:p>
+          <a:p>
+            <a:r>
+              <a:rPr lang="en-US" dirty="0"/>
+              <a:t>You’ll need to program, likely beyond what you do in classes. The demand for this will vary between people depending on experience and background. </a:t>
+            </a:r>
+          </a:p>
+        </p:txBody>
+      </p:sp>
+    </p:spTree>
+    <p:extLst>
+      <p:ext uri="{BB962C8B-B14F-4D97-AF65-F5344CB8AC3E}">
+        <p14:creationId xmlns:p14="http://schemas.microsoft.com/office/powerpoint/2010/main" val="1776955594"/>
+      </p:ext>
+    </p:extLst>
+  </p:cSld>
+  <p:clrMapOvr>
+    <a:masterClrMapping/>
+  </p:clrMapOvr>
+</p:sld>
+</file>
+
+<file path=ppt/slides/slide6.xml><?xml version="1.0" encoding="utf-8"?>
+<p:sld xmlns:a="http://schemas.openxmlformats.org/drawingml/2006/main" xmlns:r="http://schemas.openxmlformats.org/officeDocument/2006/relationships" xmlns:p="http://schemas.openxmlformats.org/presentationml/2006/main">
+  <p:cSld>
+    <p:spTree>
+      <p:nvGrpSpPr>
+        <p:cNvPr id="1" name=""/>
+        <p:cNvGrpSpPr/>
+        <p:nvPr/>
+      </p:nvGrpSpPr>
+      <p:grpSpPr>
+        <a:xfrm>
+          <a:off x="0" y="0"/>
+          <a:ext cx="0" cy="0"/>
+          <a:chOff x="0" y="0"/>
+          <a:chExt cx="0" cy="0"/>
+        </a:xfrm>
+      </p:grpSpPr>
+      <p:sp>
+        <p:nvSpPr>
+          <p:cNvPr id="2" name="Title 1">
+            <a:extLst>
+              <a:ext uri="{FF2B5EF4-FFF2-40B4-BE49-F238E27FC236}">
+                <a16:creationId xmlns:a16="http://schemas.microsoft.com/office/drawing/2014/main" id="{BC7BE891-D616-8AC2-C29F-A3C0ECACF911}"/>
+              </a:ext>
+            </a:extLst>
+          </p:cNvPr>
+          <p:cNvSpPr>
+            <a:spLocks noGrp="1"/>
+          </p:cNvSpPr>
+          <p:nvPr>
+            <p:ph type="title"/>
+          </p:nvPr>
+        </p:nvSpPr>
+        <p:spPr/>
+        <p:txBody>
+          <a:bodyPr/>
+          <a:lstStyle/>
+          <a:p>
+            <a:r>
+              <a:rPr lang="en-US" dirty="0"/>
+              <a:t>Assignments and Grading</a:t>
+            </a:r>
+          </a:p>
+        </p:txBody>
+      </p:sp>
+      <p:sp>
+        <p:nvSpPr>
+          <p:cNvPr id="3" name="Content Placeholder 2">
+            <a:extLst>
+              <a:ext uri="{FF2B5EF4-FFF2-40B4-BE49-F238E27FC236}">
+                <a16:creationId xmlns:a16="http://schemas.microsoft.com/office/drawing/2014/main" id="{EBF9BC15-4180-8D06-E74B-2EEA32F4D97A}"/>
+              </a:ext>
+            </a:extLst>
+          </p:cNvPr>
+          <p:cNvSpPr>
+            <a:spLocks noGrp="1"/>
+          </p:cNvSpPr>
+          <p:nvPr>
+            <p:ph idx="1"/>
+          </p:nvPr>
+        </p:nvSpPr>
+        <p:spPr/>
+        <p:txBody>
+          <a:bodyPr/>
+          <a:lstStyle/>
+          <a:p>
+            <a:r>
+              <a:rPr lang="en-US" dirty="0"/>
+              <a:t>Assignments</a:t>
+            </a:r>
+          </a:p>
+          <a:p>
+            <a:r>
+              <a:rPr lang="en-US" dirty="0"/>
+              <a:t>Quizzes</a:t>
+            </a:r>
+          </a:p>
+          <a:p>
+            <a:r>
+              <a:rPr lang="en-US" dirty="0"/>
+              <a:t>Exams</a:t>
+            </a:r>
+          </a:p>
+          <a:p>
+            <a:r>
+              <a:rPr lang="en-US" dirty="0"/>
+              <a:t>Project</a:t>
+            </a:r>
+          </a:p>
+        </p:txBody>
+      </p:sp>
+    </p:spTree>
+    <p:extLst>
+      <p:ext uri="{BB962C8B-B14F-4D97-AF65-F5344CB8AC3E}">
+        <p14:creationId xmlns:p14="http://schemas.microsoft.com/office/powerpoint/2010/main" val="3836334166"/>
+      </p:ext>
+    </p:extLst>
+  </p:cSld>
+  <p:clrMapOvr>
+    <a:masterClrMapping/>
+  </p:clrMapOvr>
+</p:sld>
+</file>
+
+<file path=ppt/slides/slide7.xml><?xml version="1.0" encoding="utf-8"?>
+<p:sld xmlns:a="http://schemas.openxmlformats.org/drawingml/2006/main" xmlns:r="http://schemas.openxmlformats.org/officeDocument/2006/relationships" xmlns:p="http://schemas.openxmlformats.org/presentationml/2006/main">
+  <p:cSld>
+    <p:spTree>
+      <p:nvGrpSpPr>
+        <p:cNvPr id="1" name=""/>
+        <p:cNvGrpSpPr/>
+        <p:nvPr/>
+      </p:nvGrpSpPr>
+      <p:grpSpPr>
+        <a:xfrm>
+          <a:off x="0" y="0"/>
+          <a:ext cx="0" cy="0"/>
+          <a:chOff x="0" y="0"/>
+          <a:chExt cx="0" cy="0"/>
+        </a:xfrm>
+      </p:grpSpPr>
+      <p:sp>
+        <p:nvSpPr>
+          <p:cNvPr id="2" name="Title 1">
+            <a:extLst>
+              <a:ext uri="{FF2B5EF4-FFF2-40B4-BE49-F238E27FC236}">
+                <a16:creationId xmlns:a16="http://schemas.microsoft.com/office/drawing/2014/main" id="{D5219269-6BAB-4B04-A21A-E0BD348D80DC}"/>
+              </a:ext>
+            </a:extLst>
+          </p:cNvPr>
+          <p:cNvSpPr>
+            <a:spLocks noGrp="1"/>
+          </p:cNvSpPr>
+          <p:nvPr>
+            <p:ph type="ctrTitle"/>
+          </p:nvPr>
+        </p:nvSpPr>
+        <p:spPr/>
+        <p:txBody>
+          <a:bodyPr/>
+          <a:lstStyle/>
+          <a:p>
+            <a:r>
+              <a:rPr lang="en-CA" dirty="0"/>
+              <a:t>Basics of Statistics</a:t>
+            </a:r>
+            <a:endParaRPr lang="LID4096" dirty="0"/>
+          </a:p>
+        </p:txBody>
+      </p:sp>
+      <p:sp>
+        <p:nvSpPr>
+          <p:cNvPr id="3" name="Subtitle 2">
+            <a:extLst>
+              <a:ext uri="{FF2B5EF4-FFF2-40B4-BE49-F238E27FC236}">
+                <a16:creationId xmlns:a16="http://schemas.microsoft.com/office/drawing/2014/main" id="{04CEF03D-42D4-4071-B3E1-9E54A49E6C03}"/>
+              </a:ext>
+            </a:extLst>
+          </p:cNvPr>
+          <p:cNvSpPr>
+            <a:spLocks noGrp="1"/>
+          </p:cNvSpPr>
+          <p:nvPr>
+            <p:ph type="subTitle" idx="1"/>
+          </p:nvPr>
+        </p:nvSpPr>
+        <p:spPr/>
+        <p:txBody>
+          <a:bodyPr/>
+          <a:lstStyle/>
+          <a:p>
+            <a:endParaRPr lang="LID4096"/>
+          </a:p>
+        </p:txBody>
+      </p:sp>
+    </p:spTree>
+    <p:extLst>
+      <p:ext uri="{BB962C8B-B14F-4D97-AF65-F5344CB8AC3E}">
+        <p14:creationId xmlns:p14="http://schemas.microsoft.com/office/powerpoint/2010/main" val="3006118279"/>
+      </p:ext>
+    </p:extLst>
+  </p:cSld>
+  <p:clrMapOvr>
+    <a:masterClrMapping/>
+  </p:clrMapOvr>
+</p:sld>
+</file>
+
+<file path=ppt/slides/slide8.xml><?xml version="1.0" encoding="utf-8"?>
 <p:sld xmlns:a="http://schemas.openxmlformats.org/drawingml/2006/main" xmlns:r="http://schemas.openxmlformats.org/officeDocument/2006/relationships" xmlns:p="http://schemas.openxmlformats.org/presentationml/2006/main">
   <p:cSld>
     <p:bg>
@@ -7423,370 +9588,7 @@
 </p:sld>
 </file>
 
-<file path=ppt/slides/slide20.xml><?xml version="1.0" encoding="utf-8"?>
-<p:sld xmlns:a="http://schemas.openxmlformats.org/drawingml/2006/main" xmlns:r="http://schemas.openxmlformats.org/officeDocument/2006/relationships" xmlns:p="http://schemas.openxmlformats.org/presentationml/2006/main">
-  <p:cSld>
-    <p:spTree>
-      <p:nvGrpSpPr>
-        <p:cNvPr id="1" name=""/>
-        <p:cNvGrpSpPr/>
-        <p:nvPr/>
-      </p:nvGrpSpPr>
-      <p:grpSpPr>
-        <a:xfrm>
-          <a:off x="0" y="0"/>
-          <a:ext cx="0" cy="0"/>
-          <a:chOff x="0" y="0"/>
-          <a:chExt cx="0" cy="0"/>
-        </a:xfrm>
-      </p:grpSpPr>
-      <p:sp>
-        <p:nvSpPr>
-          <p:cNvPr id="2" name="Title 1">
-            <a:extLst>
-              <a:ext uri="{FF2B5EF4-FFF2-40B4-BE49-F238E27FC236}">
-                <a16:creationId xmlns:a16="http://schemas.microsoft.com/office/drawing/2014/main" id="{43326F2D-DA32-BAB3-C500-3584DDC0D732}"/>
-              </a:ext>
-            </a:extLst>
-          </p:cNvPr>
-          <p:cNvSpPr>
-            <a:spLocks noGrp="1"/>
-          </p:cNvSpPr>
-          <p:nvPr>
-            <p:ph type="title"/>
-          </p:nvPr>
-        </p:nvSpPr>
-        <p:spPr/>
-        <p:txBody>
-          <a:bodyPr/>
-          <a:lstStyle/>
-          <a:p>
-            <a:endParaRPr lang="en-US"/>
-          </a:p>
-        </p:txBody>
-      </p:sp>
-      <p:sp>
-        <p:nvSpPr>
-          <p:cNvPr id="3" name="Content Placeholder 2">
-            <a:extLst>
-              <a:ext uri="{FF2B5EF4-FFF2-40B4-BE49-F238E27FC236}">
-                <a16:creationId xmlns:a16="http://schemas.microsoft.com/office/drawing/2014/main" id="{F7ED3C96-5F23-A713-648C-6FC522443F1C}"/>
-              </a:ext>
-            </a:extLst>
-          </p:cNvPr>
-          <p:cNvSpPr>
-            <a:spLocks noGrp="1"/>
-          </p:cNvSpPr>
-          <p:nvPr>
-            <p:ph idx="1"/>
-          </p:nvPr>
-        </p:nvSpPr>
-        <p:spPr/>
-        <p:txBody>
-          <a:bodyPr/>
-          <a:lstStyle/>
-          <a:p>
-            <a:endParaRPr lang="en-US"/>
-          </a:p>
-        </p:txBody>
-      </p:sp>
-      <p:pic>
-        <p:nvPicPr>
-          <p:cNvPr id="1026" name="Picture 2" descr="Categorical vs. Quantitative Variables: Definition + Examples">
-            <a:extLst>
-              <a:ext uri="{FF2B5EF4-FFF2-40B4-BE49-F238E27FC236}">
-                <a16:creationId xmlns:a16="http://schemas.microsoft.com/office/drawing/2014/main" id="{2C2D6919-CA07-5629-962D-8EDFF3527F70}"/>
-              </a:ext>
-            </a:extLst>
-          </p:cNvPr>
-          <p:cNvPicPr>
-            <a:picLocks noChangeAspect="1" noChangeArrowheads="1"/>
-          </p:cNvPicPr>
-          <p:nvPr/>
-        </p:nvPicPr>
-        <p:blipFill>
-          <a:blip r:embed="rId2">
-            <a:extLst>
-              <a:ext uri="{28A0092B-C50C-407E-A947-70E740481C1C}">
-                <a14:useLocalDpi xmlns:a14="http://schemas.microsoft.com/office/drawing/2010/main" val="0"/>
-              </a:ext>
-            </a:extLst>
-          </a:blip>
-          <a:srcRect/>
-          <a:stretch>
-            <a:fillRect/>
-          </a:stretch>
-        </p:blipFill>
-        <p:spPr bwMode="auto">
-          <a:xfrm>
-            <a:off x="584200" y="927100"/>
-            <a:ext cx="11023600" cy="5003800"/>
-          </a:xfrm>
-          <a:prstGeom prst="rect">
-            <a:avLst/>
-          </a:prstGeom>
-          <a:noFill/>
-          <a:extLst>
-            <a:ext uri="{909E8E84-426E-40DD-AFC4-6F175D3DCCD1}">
-              <a14:hiddenFill xmlns:a14="http://schemas.microsoft.com/office/drawing/2010/main">
-                <a:solidFill>
-                  <a:srgbClr val="FFFFFF"/>
-                </a:solidFill>
-              </a14:hiddenFill>
-            </a:ext>
-          </a:extLst>
-        </p:spPr>
-      </p:pic>
-    </p:spTree>
-    <p:extLst>
-      <p:ext uri="{BB962C8B-B14F-4D97-AF65-F5344CB8AC3E}">
-        <p14:creationId xmlns:p14="http://schemas.microsoft.com/office/powerpoint/2010/main" val="1206951957"/>
-      </p:ext>
-    </p:extLst>
-  </p:cSld>
-  <p:clrMapOvr>
-    <a:masterClrMapping/>
-  </p:clrMapOvr>
-</p:sld>
-</file>
-
-<file path=ppt/slides/slide21.xml><?xml version="1.0" encoding="utf-8"?>
-<p:sld xmlns:a="http://schemas.openxmlformats.org/drawingml/2006/main" xmlns:r="http://schemas.openxmlformats.org/officeDocument/2006/relationships" xmlns:p="http://schemas.openxmlformats.org/presentationml/2006/main">
-  <p:cSld>
-    <p:spTree>
-      <p:nvGrpSpPr>
-        <p:cNvPr id="1" name=""/>
-        <p:cNvGrpSpPr/>
-        <p:nvPr/>
-      </p:nvGrpSpPr>
-      <p:grpSpPr>
-        <a:xfrm>
-          <a:off x="0" y="0"/>
-          <a:ext cx="0" cy="0"/>
-          <a:chOff x="0" y="0"/>
-          <a:chExt cx="0" cy="0"/>
-        </a:xfrm>
-      </p:grpSpPr>
-      <p:sp>
-        <p:nvSpPr>
-          <p:cNvPr id="2" name="Title 1">
-            <a:extLst>
-              <a:ext uri="{FF2B5EF4-FFF2-40B4-BE49-F238E27FC236}">
-                <a16:creationId xmlns:a16="http://schemas.microsoft.com/office/drawing/2014/main" id="{2B0DD83B-0F16-9544-9FE0-F557FBD9EFF9}"/>
-              </a:ext>
-            </a:extLst>
-          </p:cNvPr>
-          <p:cNvSpPr>
-            <a:spLocks noGrp="1"/>
-          </p:cNvSpPr>
-          <p:nvPr>
-            <p:ph type="title"/>
-          </p:nvPr>
-        </p:nvSpPr>
-        <p:spPr/>
-        <p:txBody>
-          <a:bodyPr/>
-          <a:lstStyle/>
-          <a:p>
-            <a:r>
-              <a:rPr lang="en-US" dirty="0"/>
-              <a:t>Data Types</a:t>
-            </a:r>
-          </a:p>
-        </p:txBody>
-      </p:sp>
-      <p:sp>
-        <p:nvSpPr>
-          <p:cNvPr id="3" name="Content Placeholder 2">
-            <a:extLst>
-              <a:ext uri="{FF2B5EF4-FFF2-40B4-BE49-F238E27FC236}">
-                <a16:creationId xmlns:a16="http://schemas.microsoft.com/office/drawing/2014/main" id="{54314B2C-0CA9-B34B-B179-9C963FB75BC4}"/>
-              </a:ext>
-            </a:extLst>
-          </p:cNvPr>
-          <p:cNvSpPr>
-            <a:spLocks noGrp="1"/>
-          </p:cNvSpPr>
-          <p:nvPr>
-            <p:ph idx="1"/>
-          </p:nvPr>
-        </p:nvSpPr>
-        <p:spPr/>
-        <p:txBody>
-          <a:bodyPr/>
-          <a:lstStyle/>
-          <a:p>
-            <a:r>
-              <a:rPr lang="en-US" dirty="0"/>
-              <a:t>Think about how you would describe different types of data.</a:t>
-            </a:r>
-          </a:p>
-          <a:p>
-            <a:r>
-              <a:rPr lang="en-US" dirty="0"/>
-              <a:t>E.g. if you explained how much people sleep or what the gender distribution is based on the survey data…</a:t>
-            </a:r>
-          </a:p>
-          <a:p>
-            <a:endParaRPr lang="en-US" dirty="0"/>
-          </a:p>
-          <a:p>
-            <a:r>
-              <a:rPr lang="en-US" dirty="0"/>
-              <a:t>There’s different metrics and ways to deal with </a:t>
-            </a:r>
-            <a:r>
-              <a:rPr lang="en-US"/>
-              <a:t>different data. </a:t>
-            </a:r>
-            <a:endParaRPr lang="en-US" dirty="0"/>
-          </a:p>
-        </p:txBody>
-      </p:sp>
-    </p:spTree>
-    <p:extLst>
-      <p:ext uri="{BB962C8B-B14F-4D97-AF65-F5344CB8AC3E}">
-        <p14:creationId xmlns:p14="http://schemas.microsoft.com/office/powerpoint/2010/main" val="3696996984"/>
-      </p:ext>
-    </p:extLst>
-  </p:cSld>
-  <p:clrMapOvr>
-    <a:masterClrMapping/>
-  </p:clrMapOvr>
-</p:sld>
-</file>
-
-<file path=ppt/slides/slide22.xml><?xml version="1.0" encoding="utf-8"?>
-<p:sld xmlns:a="http://schemas.openxmlformats.org/drawingml/2006/main" xmlns:r="http://schemas.openxmlformats.org/officeDocument/2006/relationships" xmlns:p="http://schemas.openxmlformats.org/presentationml/2006/main">
-  <p:cSld>
-    <p:spTree>
-      <p:nvGrpSpPr>
-        <p:cNvPr id="1" name=""/>
-        <p:cNvGrpSpPr/>
-        <p:nvPr/>
-      </p:nvGrpSpPr>
-      <p:grpSpPr>
-        <a:xfrm>
-          <a:off x="0" y="0"/>
-          <a:ext cx="0" cy="0"/>
-          <a:chOff x="0" y="0"/>
-          <a:chExt cx="0" cy="0"/>
-        </a:xfrm>
-      </p:grpSpPr>
-      <p:sp>
-        <p:nvSpPr>
-          <p:cNvPr id="2" name="Title 1">
-            <a:extLst>
-              <a:ext uri="{FF2B5EF4-FFF2-40B4-BE49-F238E27FC236}">
-                <a16:creationId xmlns:a16="http://schemas.microsoft.com/office/drawing/2014/main" id="{138DAAF2-2EEB-894A-966F-FB0ADE066B10}"/>
-              </a:ext>
-            </a:extLst>
-          </p:cNvPr>
-          <p:cNvSpPr>
-            <a:spLocks noGrp="1"/>
-          </p:cNvSpPr>
-          <p:nvPr>
-            <p:ph type="title"/>
-          </p:nvPr>
-        </p:nvSpPr>
-        <p:spPr/>
-        <p:txBody>
-          <a:bodyPr/>
-          <a:lstStyle/>
-          <a:p>
-            <a:r>
-              <a:rPr lang="en-US" dirty="0"/>
-              <a:t>Ok, Time to Program…</a:t>
-            </a:r>
-          </a:p>
-        </p:txBody>
-      </p:sp>
-      <p:sp>
-        <p:nvSpPr>
-          <p:cNvPr id="3" name="Content Placeholder 2">
-            <a:extLst>
-              <a:ext uri="{FF2B5EF4-FFF2-40B4-BE49-F238E27FC236}">
-                <a16:creationId xmlns:a16="http://schemas.microsoft.com/office/drawing/2014/main" id="{A73C1275-6D2C-6248-9ACF-5E9A3C035E17}"/>
-              </a:ext>
-            </a:extLst>
-          </p:cNvPr>
-          <p:cNvSpPr>
-            <a:spLocks noGrp="1"/>
-          </p:cNvSpPr>
-          <p:nvPr>
-            <p:ph idx="1"/>
-          </p:nvPr>
-        </p:nvSpPr>
-        <p:spPr/>
-        <p:txBody>
-          <a:bodyPr/>
-          <a:lstStyle/>
-          <a:p>
-            <a:endParaRPr lang="en-US"/>
-          </a:p>
-        </p:txBody>
-      </p:sp>
-      <p:pic>
-        <p:nvPicPr>
-          <p:cNvPr id="2050" name="Picture 2" descr="How realistic are these 21 coders from movies and TV shows? - SD Times">
-            <a:extLst>
-              <a:ext uri="{FF2B5EF4-FFF2-40B4-BE49-F238E27FC236}">
-                <a16:creationId xmlns:a16="http://schemas.microsoft.com/office/drawing/2014/main" id="{4C2DEB73-60BC-5249-8D22-F335A341B4FF}"/>
-              </a:ext>
-            </a:extLst>
-          </p:cNvPr>
-          <p:cNvPicPr>
-            <a:picLocks noChangeAspect="1" noChangeArrowheads="1"/>
-          </p:cNvPicPr>
-          <p:nvPr/>
-        </p:nvPicPr>
-        <p:blipFill>
-          <a:blip r:embed="rId2">
-            <a:extLst>
-              <a:ext uri="{28A0092B-C50C-407E-A947-70E740481C1C}">
-                <a14:useLocalDpi xmlns:a14="http://schemas.microsoft.com/office/drawing/2010/main" val="0"/>
-              </a:ext>
-            </a:extLst>
-          </a:blip>
-          <a:srcRect/>
-          <a:stretch>
-            <a:fillRect/>
-          </a:stretch>
-        </p:blipFill>
-        <p:spPr bwMode="auto">
-          <a:xfrm>
-            <a:off x="1937919" y="1623407"/>
-            <a:ext cx="8316161" cy="4672115"/>
-          </a:xfrm>
-          <a:prstGeom prst="rect">
-            <a:avLst/>
-          </a:prstGeom>
-          <a:noFill/>
-          <a:extLst>
-            <a:ext uri="{909E8E84-426E-40DD-AFC4-6F175D3DCCD1}">
-              <a14:hiddenFill xmlns:a14="http://schemas.microsoft.com/office/drawing/2010/main">
-                <a:solidFill>
-                  <a:srgbClr val="FFFFFF"/>
-                </a:solidFill>
-              </a14:hiddenFill>
-            </a:ext>
-          </a:extLst>
-        </p:spPr>
-      </p:pic>
-    </p:spTree>
-    <p:extLst>
-      <p:ext uri="{BB962C8B-B14F-4D97-AF65-F5344CB8AC3E}">
-        <p14:creationId xmlns:p14="http://schemas.microsoft.com/office/powerpoint/2010/main" val="1280559544"/>
-      </p:ext>
-    </p:extLst>
-  </p:cSld>
-  <p:clrMapOvr>
-    <a:masterClrMapping/>
-  </p:clrMapOvr>
-</p:sld>
-</file>
-
-<file path=ppt/slides/slide3.xml><?xml version="1.0" encoding="utf-8"?>
+<file path=ppt/slides/slide9.xml><?xml version="1.0" encoding="utf-8"?>
 <p:sld xmlns:a="http://schemas.openxmlformats.org/drawingml/2006/main" xmlns:r="http://schemas.openxmlformats.org/officeDocument/2006/relationships" xmlns:p="http://schemas.openxmlformats.org/presentationml/2006/main">
   <p:cSld>
     <p:spTree>
@@ -7902,767 +9704,6 @@
     <p:extLst>
       <p:ext uri="{BB962C8B-B14F-4D97-AF65-F5344CB8AC3E}">
         <p14:creationId xmlns:p14="http://schemas.microsoft.com/office/powerpoint/2010/main" val="2943278846"/>
-      </p:ext>
-    </p:extLst>
-  </p:cSld>
-  <p:clrMapOvr>
-    <a:masterClrMapping/>
-  </p:clrMapOvr>
-</p:sld>
-</file>
-
-<file path=ppt/slides/slide4.xml><?xml version="1.0" encoding="utf-8"?>
-<p:sld xmlns:a="http://schemas.openxmlformats.org/drawingml/2006/main" xmlns:r="http://schemas.openxmlformats.org/officeDocument/2006/relationships" xmlns:p="http://schemas.openxmlformats.org/presentationml/2006/main">
-  <p:cSld>
-    <p:spTree>
-      <p:nvGrpSpPr>
-        <p:cNvPr id="1" name=""/>
-        <p:cNvGrpSpPr/>
-        <p:nvPr/>
-      </p:nvGrpSpPr>
-      <p:grpSpPr>
-        <a:xfrm>
-          <a:off x="0" y="0"/>
-          <a:ext cx="0" cy="0"/>
-          <a:chOff x="0" y="0"/>
-          <a:chExt cx="0" cy="0"/>
-        </a:xfrm>
-      </p:grpSpPr>
-      <p:sp>
-        <p:nvSpPr>
-          <p:cNvPr id="2" name="Title 1">
-            <a:extLst>
-              <a:ext uri="{FF2B5EF4-FFF2-40B4-BE49-F238E27FC236}">
-                <a16:creationId xmlns:a16="http://schemas.microsoft.com/office/drawing/2014/main" id="{6722AC48-625D-4590-873F-482F436EBD48}"/>
-              </a:ext>
-            </a:extLst>
-          </p:cNvPr>
-          <p:cNvSpPr>
-            <a:spLocks noGrp="1"/>
-          </p:cNvSpPr>
-          <p:nvPr>
-            <p:ph type="title"/>
-          </p:nvPr>
-        </p:nvSpPr>
-        <p:spPr/>
-        <p:txBody>
-          <a:bodyPr/>
-          <a:lstStyle/>
-          <a:p>
-            <a:r>
-              <a:rPr lang="en-CA" dirty="0"/>
-              <a:t>What is Statistics?</a:t>
-            </a:r>
-            <a:endParaRPr lang="LID4096" dirty="0"/>
-          </a:p>
-        </p:txBody>
-      </p:sp>
-      <p:sp>
-        <p:nvSpPr>
-          <p:cNvPr id="3" name="Content Placeholder 2">
-            <a:extLst>
-              <a:ext uri="{FF2B5EF4-FFF2-40B4-BE49-F238E27FC236}">
-                <a16:creationId xmlns:a16="http://schemas.microsoft.com/office/drawing/2014/main" id="{F1C2B76F-78A3-4201-AE46-986C1711ADF0}"/>
-              </a:ext>
-            </a:extLst>
-          </p:cNvPr>
-          <p:cNvSpPr>
-            <a:spLocks noGrp="1"/>
-          </p:cNvSpPr>
-          <p:nvPr>
-            <p:ph idx="1"/>
-          </p:nvPr>
-        </p:nvSpPr>
-        <p:spPr/>
-        <p:txBody>
-          <a:bodyPr/>
-          <a:lstStyle/>
-          <a:p>
-            <a:r>
-              <a:rPr lang="en-CA" dirty="0"/>
-              <a:t>Statistics is the language of data.</a:t>
-            </a:r>
-          </a:p>
-          <a:p>
-            <a:r>
-              <a:rPr lang="en-CA" dirty="0"/>
-              <a:t>Statistics is what we use to describe, organize, analyze, and present data.</a:t>
-            </a:r>
-          </a:p>
-          <a:p>
-            <a:endParaRPr lang="en-CA" dirty="0"/>
-          </a:p>
-          <a:p>
-            <a:r>
-              <a:rPr lang="en-CA" dirty="0"/>
-              <a:t>If you’ve taken the average of some values, you’ve done statistics. </a:t>
-            </a:r>
-            <a:endParaRPr lang="LID4096" dirty="0"/>
-          </a:p>
-        </p:txBody>
-      </p:sp>
-    </p:spTree>
-    <p:extLst>
-      <p:ext uri="{BB962C8B-B14F-4D97-AF65-F5344CB8AC3E}">
-        <p14:creationId xmlns:p14="http://schemas.microsoft.com/office/powerpoint/2010/main" val="4179692843"/>
-      </p:ext>
-    </p:extLst>
-  </p:cSld>
-  <p:clrMapOvr>
-    <a:masterClrMapping/>
-  </p:clrMapOvr>
-</p:sld>
-</file>
-
-<file path=ppt/slides/slide5.xml><?xml version="1.0" encoding="utf-8"?>
-<p:sld xmlns:a="http://schemas.openxmlformats.org/drawingml/2006/main" xmlns:r="http://schemas.openxmlformats.org/officeDocument/2006/relationships" xmlns:p="http://schemas.openxmlformats.org/presentationml/2006/main">
-  <p:cSld>
-    <p:spTree>
-      <p:nvGrpSpPr>
-        <p:cNvPr id="1" name=""/>
-        <p:cNvGrpSpPr/>
-        <p:nvPr/>
-      </p:nvGrpSpPr>
-      <p:grpSpPr>
-        <a:xfrm>
-          <a:off x="0" y="0"/>
-          <a:ext cx="0" cy="0"/>
-          <a:chOff x="0" y="0"/>
-          <a:chExt cx="0" cy="0"/>
-        </a:xfrm>
-      </p:grpSpPr>
-      <p:sp>
-        <p:nvSpPr>
-          <p:cNvPr id="2" name="Title 1">
-            <a:extLst>
-              <a:ext uri="{FF2B5EF4-FFF2-40B4-BE49-F238E27FC236}">
-                <a16:creationId xmlns:a16="http://schemas.microsoft.com/office/drawing/2014/main" id="{7B24C5F1-9C35-4DBA-BB84-281362AA271B}"/>
-              </a:ext>
-            </a:extLst>
-          </p:cNvPr>
-          <p:cNvSpPr>
-            <a:spLocks noGrp="1"/>
-          </p:cNvSpPr>
-          <p:nvPr>
-            <p:ph type="title"/>
-          </p:nvPr>
-        </p:nvSpPr>
-        <p:spPr/>
-        <p:txBody>
-          <a:bodyPr/>
-          <a:lstStyle/>
-          <a:p>
-            <a:r>
-              <a:rPr lang="en-CA" dirty="0"/>
-              <a:t>What is Probability?</a:t>
-            </a:r>
-            <a:endParaRPr lang="LID4096" dirty="0"/>
-          </a:p>
-        </p:txBody>
-      </p:sp>
-      <p:sp>
-        <p:nvSpPr>
-          <p:cNvPr id="3" name="Content Placeholder 2">
-            <a:extLst>
-              <a:ext uri="{FF2B5EF4-FFF2-40B4-BE49-F238E27FC236}">
-                <a16:creationId xmlns:a16="http://schemas.microsoft.com/office/drawing/2014/main" id="{E5EE9999-C8E2-4638-A0F3-4247ECAEA7DC}"/>
-              </a:ext>
-            </a:extLst>
-          </p:cNvPr>
-          <p:cNvSpPr>
-            <a:spLocks noGrp="1"/>
-          </p:cNvSpPr>
-          <p:nvPr>
-            <p:ph idx="1"/>
-          </p:nvPr>
-        </p:nvSpPr>
-        <p:spPr/>
-        <p:txBody>
-          <a:bodyPr/>
-          <a:lstStyle/>
-          <a:p>
-            <a:r>
-              <a:rPr lang="en-CA" dirty="0"/>
-              <a:t>Probability is the math of predicting how likely something is to happen. </a:t>
-            </a:r>
-          </a:p>
-          <a:p>
-            <a:endParaRPr lang="en-CA" dirty="0"/>
-          </a:p>
-          <a:p>
-            <a:r>
-              <a:rPr lang="en-CA" dirty="0"/>
-              <a:t>If you’ve ever gambled, you’ve used probability. </a:t>
-            </a:r>
-            <a:endParaRPr lang="LID4096" dirty="0"/>
-          </a:p>
-        </p:txBody>
-      </p:sp>
-    </p:spTree>
-    <p:extLst>
-      <p:ext uri="{BB962C8B-B14F-4D97-AF65-F5344CB8AC3E}">
-        <p14:creationId xmlns:p14="http://schemas.microsoft.com/office/powerpoint/2010/main" val="145422333"/>
-      </p:ext>
-    </p:extLst>
-  </p:cSld>
-  <p:clrMapOvr>
-    <a:masterClrMapping/>
-  </p:clrMapOvr>
-</p:sld>
-</file>
-
-<file path=ppt/slides/slide6.xml><?xml version="1.0" encoding="utf-8"?>
-<p:sld xmlns:a="http://schemas.openxmlformats.org/drawingml/2006/main" xmlns:r="http://schemas.openxmlformats.org/officeDocument/2006/relationships" xmlns:p="http://schemas.openxmlformats.org/presentationml/2006/main">
-  <p:cSld>
-    <p:spTree>
-      <p:nvGrpSpPr>
-        <p:cNvPr id="1" name=""/>
-        <p:cNvGrpSpPr/>
-        <p:nvPr/>
-      </p:nvGrpSpPr>
-      <p:grpSpPr>
-        <a:xfrm>
-          <a:off x="0" y="0"/>
-          <a:ext cx="0" cy="0"/>
-          <a:chOff x="0" y="0"/>
-          <a:chExt cx="0" cy="0"/>
-        </a:xfrm>
-      </p:grpSpPr>
-      <p:sp>
-        <p:nvSpPr>
-          <p:cNvPr id="2" name="Title 1">
-            <a:extLst>
-              <a:ext uri="{FF2B5EF4-FFF2-40B4-BE49-F238E27FC236}">
-                <a16:creationId xmlns:a16="http://schemas.microsoft.com/office/drawing/2014/main" id="{C0DA4244-D682-4C77-9687-1AFA649DAAD9}"/>
-              </a:ext>
-            </a:extLst>
-          </p:cNvPr>
-          <p:cNvSpPr>
-            <a:spLocks noGrp="1"/>
-          </p:cNvSpPr>
-          <p:nvPr>
-            <p:ph type="title"/>
-          </p:nvPr>
-        </p:nvSpPr>
-        <p:spPr/>
-        <p:txBody>
-          <a:bodyPr/>
-          <a:lstStyle/>
-          <a:p>
-            <a:r>
-              <a:rPr lang="en-CA" dirty="0"/>
-              <a:t>Statistics + Probability</a:t>
-            </a:r>
-            <a:endParaRPr lang="LID4096" dirty="0"/>
-          </a:p>
-        </p:txBody>
-      </p:sp>
-      <p:sp>
-        <p:nvSpPr>
-          <p:cNvPr id="3" name="Content Placeholder 2">
-            <a:extLst>
-              <a:ext uri="{FF2B5EF4-FFF2-40B4-BE49-F238E27FC236}">
-                <a16:creationId xmlns:a16="http://schemas.microsoft.com/office/drawing/2014/main" id="{DA977847-67E3-45AE-8750-232FEF3391DC}"/>
-              </a:ext>
-            </a:extLst>
-          </p:cNvPr>
-          <p:cNvSpPr>
-            <a:spLocks noGrp="1"/>
-          </p:cNvSpPr>
-          <p:nvPr>
-            <p:ph idx="1"/>
-          </p:nvPr>
-        </p:nvSpPr>
-        <p:spPr/>
-        <p:txBody>
-          <a:bodyPr/>
-          <a:lstStyle/>
-          <a:p>
-            <a:r>
-              <a:rPr lang="en-CA" dirty="0"/>
-              <a:t>Statistics and probability are like peas in the same pod!</a:t>
-            </a:r>
-          </a:p>
-          <a:p>
-            <a:r>
-              <a:rPr lang="en-CA" dirty="0"/>
-              <a:t>What if we….</a:t>
-            </a:r>
-          </a:p>
-          <a:p>
-            <a:pPr lvl="1"/>
-            <a:r>
-              <a:rPr lang="en-CA" dirty="0"/>
-              <a:t>Collect a lot of data (statistics).</a:t>
-            </a:r>
-          </a:p>
-          <a:p>
-            <a:pPr lvl="1"/>
-            <a:r>
-              <a:rPr lang="en-CA" dirty="0"/>
-              <a:t>Do some analysis to look for patterns or trends in that data (statistics).</a:t>
-            </a:r>
-          </a:p>
-          <a:p>
-            <a:pPr lvl="1"/>
-            <a:r>
-              <a:rPr lang="en-CA" dirty="0"/>
-              <a:t>Use what we’ve learned from that data to make predictions (probability).</a:t>
-            </a:r>
-          </a:p>
-          <a:p>
-            <a:pPr marL="0" indent="0">
-              <a:buNone/>
-            </a:pPr>
-            <a:endParaRPr lang="en-CA" dirty="0"/>
-          </a:p>
-        </p:txBody>
-      </p:sp>
-    </p:spTree>
-    <p:extLst>
-      <p:ext uri="{BB962C8B-B14F-4D97-AF65-F5344CB8AC3E}">
-        <p14:creationId xmlns:p14="http://schemas.microsoft.com/office/powerpoint/2010/main" val="2338393034"/>
-      </p:ext>
-    </p:extLst>
-  </p:cSld>
-  <p:clrMapOvr>
-    <a:masterClrMapping/>
-  </p:clrMapOvr>
-</p:sld>
-</file>
-
-<file path=ppt/slides/slide7.xml><?xml version="1.0" encoding="utf-8"?>
-<p:sld xmlns:a="http://schemas.openxmlformats.org/drawingml/2006/main" xmlns:r="http://schemas.openxmlformats.org/officeDocument/2006/relationships" xmlns:p="http://schemas.openxmlformats.org/presentationml/2006/main">
-  <p:cSld>
-    <p:spTree>
-      <p:nvGrpSpPr>
-        <p:cNvPr id="1" name=""/>
-        <p:cNvGrpSpPr/>
-        <p:nvPr/>
-      </p:nvGrpSpPr>
-      <p:grpSpPr>
-        <a:xfrm>
-          <a:off x="0" y="0"/>
-          <a:ext cx="0" cy="0"/>
-          <a:chOff x="0" y="0"/>
-          <a:chExt cx="0" cy="0"/>
-        </a:xfrm>
-      </p:grpSpPr>
-      <p:sp>
-        <p:nvSpPr>
-          <p:cNvPr id="2" name="Title 1">
-            <a:extLst>
-              <a:ext uri="{FF2B5EF4-FFF2-40B4-BE49-F238E27FC236}">
-                <a16:creationId xmlns:a16="http://schemas.microsoft.com/office/drawing/2014/main" id="{D05376BD-C78F-481F-8FCD-647B33916B42}"/>
-              </a:ext>
-            </a:extLst>
-          </p:cNvPr>
-          <p:cNvSpPr>
-            <a:spLocks noGrp="1"/>
-          </p:cNvSpPr>
-          <p:nvPr>
-            <p:ph type="title"/>
-          </p:nvPr>
-        </p:nvSpPr>
-        <p:spPr/>
-        <p:txBody>
-          <a:bodyPr/>
-          <a:lstStyle/>
-          <a:p>
-            <a:r>
-              <a:rPr lang="en-CA" dirty="0"/>
-              <a:t>But How Does That Work?</a:t>
-            </a:r>
-            <a:endParaRPr lang="LID4096" dirty="0"/>
-          </a:p>
-        </p:txBody>
-      </p:sp>
-      <p:sp>
-        <p:nvSpPr>
-          <p:cNvPr id="3" name="Content Placeholder 2">
-            <a:extLst>
-              <a:ext uri="{FF2B5EF4-FFF2-40B4-BE49-F238E27FC236}">
-                <a16:creationId xmlns:a16="http://schemas.microsoft.com/office/drawing/2014/main" id="{5502754E-C9CE-4EAC-91A9-D8C1744EA2D4}"/>
-              </a:ext>
-            </a:extLst>
-          </p:cNvPr>
-          <p:cNvSpPr>
-            <a:spLocks noGrp="1"/>
-          </p:cNvSpPr>
-          <p:nvPr>
-            <p:ph idx="1"/>
-          </p:nvPr>
-        </p:nvSpPr>
-        <p:spPr/>
-        <p:txBody>
-          <a:bodyPr/>
-          <a:lstStyle/>
-          <a:p>
-            <a:r>
-              <a:rPr lang="en-CA" dirty="0"/>
-              <a:t>Assume you work for Nike, you’re the boss of all of Nike. You make shoes.</a:t>
-            </a:r>
-          </a:p>
-          <a:p>
-            <a:r>
-              <a:rPr lang="en-CA" dirty="0"/>
-              <a:t>For each shoe, you need to make it in a bunch of different sizes.</a:t>
-            </a:r>
-          </a:p>
-          <a:p>
-            <a:r>
-              <a:rPr lang="en-CA" dirty="0"/>
-              <a:t>How many pairs do you make for each size?</a:t>
-            </a:r>
-            <a:endParaRPr lang="LID4096" dirty="0"/>
-          </a:p>
-        </p:txBody>
-      </p:sp>
-    </p:spTree>
-    <p:extLst>
-      <p:ext uri="{BB962C8B-B14F-4D97-AF65-F5344CB8AC3E}">
-        <p14:creationId xmlns:p14="http://schemas.microsoft.com/office/powerpoint/2010/main" val="2464402068"/>
-      </p:ext>
-    </p:extLst>
-  </p:cSld>
-  <p:clrMapOvr>
-    <a:masterClrMapping/>
-  </p:clrMapOvr>
-</p:sld>
-</file>
-
-<file path=ppt/slides/slide8.xml><?xml version="1.0" encoding="utf-8"?>
-<p:sld xmlns:a="http://schemas.openxmlformats.org/drawingml/2006/main" xmlns:r="http://schemas.openxmlformats.org/officeDocument/2006/relationships" xmlns:p="http://schemas.openxmlformats.org/presentationml/2006/main">
-  <p:cSld>
-    <p:spTree>
-      <p:nvGrpSpPr>
-        <p:cNvPr id="1" name=""/>
-        <p:cNvGrpSpPr/>
-        <p:nvPr/>
-      </p:nvGrpSpPr>
-      <p:grpSpPr>
-        <a:xfrm>
-          <a:off x="0" y="0"/>
-          <a:ext cx="0" cy="0"/>
-          <a:chOff x="0" y="0"/>
-          <a:chExt cx="0" cy="0"/>
-        </a:xfrm>
-      </p:grpSpPr>
-      <p:sp>
-        <p:nvSpPr>
-          <p:cNvPr id="2" name="Title 1">
-            <a:extLst>
-              <a:ext uri="{FF2B5EF4-FFF2-40B4-BE49-F238E27FC236}">
-                <a16:creationId xmlns:a16="http://schemas.microsoft.com/office/drawing/2014/main" id="{22D5AD3E-0D0A-4310-80BF-5865B85DAC92}"/>
-              </a:ext>
-            </a:extLst>
-          </p:cNvPr>
-          <p:cNvSpPr>
-            <a:spLocks noGrp="1"/>
-          </p:cNvSpPr>
-          <p:nvPr>
-            <p:ph type="title"/>
-          </p:nvPr>
-        </p:nvSpPr>
-        <p:spPr/>
-        <p:txBody>
-          <a:bodyPr/>
-          <a:lstStyle/>
-          <a:p>
-            <a:r>
-              <a:rPr lang="en-CA" dirty="0"/>
-              <a:t>Stats and Probs to the Rescue</a:t>
-            </a:r>
-            <a:endParaRPr lang="LID4096" dirty="0"/>
-          </a:p>
-        </p:txBody>
-      </p:sp>
-      <p:sp>
-        <p:nvSpPr>
-          <p:cNvPr id="3" name="Content Placeholder 2">
-            <a:extLst>
-              <a:ext uri="{FF2B5EF4-FFF2-40B4-BE49-F238E27FC236}">
-                <a16:creationId xmlns:a16="http://schemas.microsoft.com/office/drawing/2014/main" id="{508CE6DF-6134-4DC2-84AE-1463AD796DA7}"/>
-              </a:ext>
-            </a:extLst>
-          </p:cNvPr>
-          <p:cNvSpPr>
-            <a:spLocks noGrp="1"/>
-          </p:cNvSpPr>
-          <p:nvPr>
-            <p:ph sz="half" idx="1"/>
-          </p:nvPr>
-        </p:nvSpPr>
-        <p:spPr>
-          <a:xfrm>
-            <a:off x="167640" y="2017342"/>
-            <a:ext cx="6697980" cy="4238677"/>
-          </a:xfrm>
-        </p:spPr>
-        <p:txBody>
-          <a:bodyPr>
-            <a:normAutofit/>
-          </a:bodyPr>
-          <a:lstStyle/>
-          <a:p>
-            <a:r>
-              <a:rPr lang="en-CA" dirty="0"/>
-              <a:t>Collect data on shoe sizes of the population. (Statistics)</a:t>
-            </a:r>
-          </a:p>
-          <a:p>
-            <a:pPr lvl="1"/>
-            <a:r>
-              <a:rPr lang="en-CA" dirty="0"/>
-              <a:t>This might come from some sort of survey, medical records, or more likely, old shoe sales records.</a:t>
-            </a:r>
-          </a:p>
-          <a:p>
-            <a:r>
-              <a:rPr lang="en-CA" dirty="0"/>
-              <a:t>Analyze your data to count how many people wear each size. (Statistics)</a:t>
-            </a:r>
-          </a:p>
-          <a:p>
-            <a:r>
-              <a:rPr lang="en-CA" dirty="0"/>
-              <a:t>Translate those counts to likelihood – e.g. if 13% of people wore a size 9, we should expect that </a:t>
-            </a:r>
-            <a:r>
-              <a:rPr lang="en-CA" dirty="0" err="1"/>
-              <a:t>apx</a:t>
-            </a:r>
-            <a:r>
-              <a:rPr lang="en-CA" dirty="0"/>
-              <a:t> 13% of our shoes should be a 9. (Probability)</a:t>
-            </a:r>
-          </a:p>
-          <a:p>
-            <a:r>
-              <a:rPr lang="en-CA" dirty="0"/>
-              <a:t>Thinking further – would basketball shoes be different from ballerina shoes?</a:t>
-            </a:r>
-          </a:p>
-          <a:p>
-            <a:pPr lvl="1"/>
-            <a:endParaRPr lang="LID4096" dirty="0"/>
-          </a:p>
-        </p:txBody>
-      </p:sp>
-      <p:sp>
-        <p:nvSpPr>
-          <p:cNvPr id="4" name="Content Placeholder 3">
-            <a:extLst>
-              <a:ext uri="{FF2B5EF4-FFF2-40B4-BE49-F238E27FC236}">
-                <a16:creationId xmlns:a16="http://schemas.microsoft.com/office/drawing/2014/main" id="{AEFC34D1-3D5A-4940-86CD-BCA6CD34E98C}"/>
-              </a:ext>
-            </a:extLst>
-          </p:cNvPr>
-          <p:cNvSpPr>
-            <a:spLocks noGrp="1"/>
-          </p:cNvSpPr>
-          <p:nvPr>
-            <p:ph sz="half" idx="2"/>
-          </p:nvPr>
-        </p:nvSpPr>
-        <p:spPr/>
-        <p:txBody>
-          <a:bodyPr>
-            <a:normAutofit/>
-          </a:bodyPr>
-          <a:lstStyle/>
-          <a:p>
-            <a:endParaRPr lang="LID4096"/>
-          </a:p>
-        </p:txBody>
-      </p:sp>
-      <p:pic>
-        <p:nvPicPr>
-          <p:cNvPr id="2050" name="Picture 2" descr="Careful With That Axe, Eugene: The trouble with big feet.... #66">
-            <a:extLst>
-              <a:ext uri="{FF2B5EF4-FFF2-40B4-BE49-F238E27FC236}">
-                <a16:creationId xmlns:a16="http://schemas.microsoft.com/office/drawing/2014/main" id="{00B3BABB-AF44-401A-B75D-00C34D18F12D}"/>
-              </a:ext>
-            </a:extLst>
-          </p:cNvPr>
-          <p:cNvPicPr>
-            <a:picLocks noChangeAspect="1" noChangeArrowheads="1"/>
-          </p:cNvPicPr>
-          <p:nvPr/>
-        </p:nvPicPr>
-        <p:blipFill>
-          <a:blip r:embed="rId2">
-            <a:extLst>
-              <a:ext uri="{28A0092B-C50C-407E-A947-70E740481C1C}">
-                <a14:useLocalDpi xmlns:a14="http://schemas.microsoft.com/office/drawing/2010/main" val="0"/>
-              </a:ext>
-            </a:extLst>
-          </a:blip>
-          <a:srcRect/>
-          <a:stretch>
-            <a:fillRect/>
-          </a:stretch>
-        </p:blipFill>
-        <p:spPr bwMode="auto">
-          <a:xfrm>
-            <a:off x="6963636" y="1864194"/>
-            <a:ext cx="5228364" cy="3904298"/>
-          </a:xfrm>
-          <a:prstGeom prst="rect">
-            <a:avLst/>
-          </a:prstGeom>
-          <a:noFill/>
-          <a:extLst>
-            <a:ext uri="{909E8E84-426E-40DD-AFC4-6F175D3DCCD1}">
-              <a14:hiddenFill xmlns:a14="http://schemas.microsoft.com/office/drawing/2010/main">
-                <a:solidFill>
-                  <a:srgbClr val="FFFFFF"/>
-                </a:solidFill>
-              </a14:hiddenFill>
-            </a:ext>
-          </a:extLst>
-        </p:spPr>
-      </p:pic>
-    </p:spTree>
-    <p:extLst>
-      <p:ext uri="{BB962C8B-B14F-4D97-AF65-F5344CB8AC3E}">
-        <p14:creationId xmlns:p14="http://schemas.microsoft.com/office/powerpoint/2010/main" val="2353513517"/>
-      </p:ext>
-    </p:extLst>
-  </p:cSld>
-  <p:clrMapOvr>
-    <a:masterClrMapping/>
-  </p:clrMapOvr>
-</p:sld>
-</file>
-
-<file path=ppt/slides/slide9.xml><?xml version="1.0" encoding="utf-8"?>
-<p:sld xmlns:a="http://schemas.openxmlformats.org/drawingml/2006/main" xmlns:r="http://schemas.openxmlformats.org/officeDocument/2006/relationships" xmlns:p="http://schemas.openxmlformats.org/presentationml/2006/main">
-  <p:cSld>
-    <p:spTree>
-      <p:nvGrpSpPr>
-        <p:cNvPr id="1" name=""/>
-        <p:cNvGrpSpPr/>
-        <p:nvPr/>
-      </p:nvGrpSpPr>
-      <p:grpSpPr>
-        <a:xfrm>
-          <a:off x="0" y="0"/>
-          <a:ext cx="0" cy="0"/>
-          <a:chOff x="0" y="0"/>
-          <a:chExt cx="0" cy="0"/>
-        </a:xfrm>
-      </p:grpSpPr>
-      <p:sp>
-        <p:nvSpPr>
-          <p:cNvPr id="2" name="Title 1">
-            <a:extLst>
-              <a:ext uri="{FF2B5EF4-FFF2-40B4-BE49-F238E27FC236}">
-                <a16:creationId xmlns:a16="http://schemas.microsoft.com/office/drawing/2014/main" id="{D7A2951D-B12D-4FF8-B694-36E3148623F7}"/>
-              </a:ext>
-            </a:extLst>
-          </p:cNvPr>
-          <p:cNvSpPr>
-            <a:spLocks noGrp="1"/>
-          </p:cNvSpPr>
-          <p:nvPr>
-            <p:ph type="title"/>
-          </p:nvPr>
-        </p:nvSpPr>
-        <p:spPr/>
-        <p:txBody>
-          <a:bodyPr/>
-          <a:lstStyle/>
-          <a:p>
-            <a:r>
-              <a:rPr lang="en-CA" dirty="0"/>
-              <a:t>Ok, Cool Bro. But I’m Still Waiting for the AI Part</a:t>
-            </a:r>
-            <a:endParaRPr lang="LID4096" dirty="0"/>
-          </a:p>
-        </p:txBody>
-      </p:sp>
-      <p:sp>
-        <p:nvSpPr>
-          <p:cNvPr id="3" name="Content Placeholder 2">
-            <a:extLst>
-              <a:ext uri="{FF2B5EF4-FFF2-40B4-BE49-F238E27FC236}">
-                <a16:creationId xmlns:a16="http://schemas.microsoft.com/office/drawing/2014/main" id="{6EF5EBEE-39D8-4078-A8AD-E9A7C45B3D2D}"/>
-              </a:ext>
-            </a:extLst>
-          </p:cNvPr>
-          <p:cNvSpPr>
-            <a:spLocks noGrp="1"/>
-          </p:cNvSpPr>
-          <p:nvPr>
-            <p:ph idx="1"/>
-          </p:nvPr>
-        </p:nvSpPr>
-        <p:spPr>
-          <a:xfrm>
-            <a:off x="830580" y="2015732"/>
-            <a:ext cx="10751819" cy="3836428"/>
-          </a:xfrm>
-        </p:spPr>
-        <p:txBody>
-          <a:bodyPr/>
-          <a:lstStyle/>
-          <a:p>
-            <a:r>
-              <a:rPr lang="en-CA" dirty="0"/>
-              <a:t>That interaction is the core thing that allows analytics (data mining/machine learning/AI) to function.</a:t>
-            </a:r>
-          </a:p>
-          <a:p>
-            <a:r>
-              <a:rPr lang="en-CA" dirty="0"/>
-              <a:t>When creating predictive models we do the same thing, only the computer does more of the heavy lifting:</a:t>
-            </a:r>
-          </a:p>
-          <a:p>
-            <a:pPr lvl="1"/>
-            <a:r>
-              <a:rPr lang="en-CA" dirty="0"/>
-              <a:t>Point the algorithm at the data.</a:t>
-            </a:r>
-          </a:p>
-          <a:p>
-            <a:pPr lvl="1"/>
-            <a:r>
-              <a:rPr lang="en-CA" dirty="0"/>
-              <a:t>The algorithm does some fancy math (just like our chart), and learns how to make predictions.</a:t>
-            </a:r>
-          </a:p>
-          <a:p>
-            <a:pPr lvl="2"/>
-            <a:r>
-              <a:rPr lang="en-CA" dirty="0"/>
-              <a:t>The outcome of this is what we call a predictive model. It takes in some data, and spits out a prediction.</a:t>
-            </a:r>
-          </a:p>
-          <a:p>
-            <a:pPr lvl="1"/>
-            <a:r>
-              <a:rPr lang="en-CA" dirty="0"/>
-              <a:t>We can use that model to make predictions for future situations, just like choosing shoe sizes to make.</a:t>
-            </a:r>
-          </a:p>
-          <a:p>
-            <a:r>
-              <a:rPr lang="en-CA" dirty="0"/>
-              <a:t>Predictive analytics is basically just applied statistics! </a:t>
-            </a:r>
-          </a:p>
-          <a:p>
-            <a:pPr lvl="1"/>
-            <a:endParaRPr lang="LID4096" dirty="0"/>
-          </a:p>
-        </p:txBody>
-      </p:sp>
-    </p:spTree>
-    <p:extLst>
-      <p:ext uri="{BB962C8B-B14F-4D97-AF65-F5344CB8AC3E}">
-        <p14:creationId xmlns:p14="http://schemas.microsoft.com/office/powerpoint/2010/main" val="941568987"/>
       </p:ext>
     </p:extLst>
   </p:cSld>
@@ -8926,15 +9967,6 @@
 </file>
 
 <file path=customXml/item1.xml><?xml version="1.0" encoding="utf-8"?>
-<?mso-contentType ?>
-<FormTemplates xmlns="http://schemas.microsoft.com/sharepoint/v3/contenttype/forms">
-  <Display>DocumentLibraryForm</Display>
-  <Edit>DocumentLibraryForm</Edit>
-  <New>DocumentLibraryForm</New>
-</FormTemplates>
-</file>
-
-<file path=customXml/item2.xml><?xml version="1.0" encoding="utf-8"?>
 <ct:contentTypeSchema xmlns:ct="http://schemas.microsoft.com/office/2006/metadata/contentType" xmlns:ma="http://schemas.microsoft.com/office/2006/metadata/properties/metaAttributes" ct:_="" ma:_="" ma:contentTypeName="Document" ma:contentTypeID="0x01010026F5301678C67B498D338CE32F95A14E" ma:contentTypeVersion="15" ma:contentTypeDescription="Create a new document." ma:contentTypeScope="" ma:versionID="eaaf4546f4d1fda2deef56f0b8d50481">
   <xsd:schema xmlns:xsd="http://www.w3.org/2001/XMLSchema" xmlns:xs="http://www.w3.org/2001/XMLSchema" xmlns:p="http://schemas.microsoft.com/office/2006/metadata/properties" xmlns:ns1="http://schemas.microsoft.com/sharepoint/v3" xmlns:ns3="8b56a6db-b632-47f7-ac3d-cb0cb7728168" xmlns:ns4="0f3882ea-2a39-4b1a-8943-2b5857d2b62e" targetNamespace="http://schemas.microsoft.com/office/2006/metadata/properties" ma:root="true" ma:fieldsID="c424594656824f3d98654a7d4d166443" ns1:_="" ns3:_="" ns4:_="">
     <xsd:import namespace="http://schemas.microsoft.com/sharepoint/v3"/>
@@ -9174,6 +10206,15 @@
 </ct:contentTypeSchema>
 </file>
 
+<file path=customXml/item2.xml><?xml version="1.0" encoding="utf-8"?>
+<?mso-contentType ?>
+<FormTemplates xmlns="http://schemas.microsoft.com/sharepoint/v3/contenttype/forms">
+  <Display>DocumentLibraryForm</Display>
+  <Edit>DocumentLibraryForm</Edit>
+  <New>DocumentLibraryForm</New>
+</FormTemplates>
+</file>
+
 <file path=customXml/item3.xml><?xml version="1.0" encoding="utf-8"?>
 <p:properties xmlns:p="http://schemas.microsoft.com/office/2006/metadata/properties" xmlns:xsi="http://www.w3.org/2001/XMLSchema-instance" xmlns:pc="http://schemas.microsoft.com/office/infopath/2007/PartnerControls">
   <documentManagement>
@@ -9184,14 +10225,6 @@
 </file>
 
 <file path=customXml/itemProps1.xml><?xml version="1.0" encoding="utf-8"?>
-<ds:datastoreItem xmlns:ds="http://schemas.openxmlformats.org/officeDocument/2006/customXml" ds:itemID="{9D433788-E2A9-474A-A9AA-7C51D76AEEF8}">
-  <ds:schemaRefs>
-    <ds:schemaRef ds:uri="http://schemas.microsoft.com/sharepoint/v3/contenttype/forms"/>
-  </ds:schemaRefs>
-</ds:datastoreItem>
-</file>
-
-<file path=customXml/itemProps2.xml><?xml version="1.0" encoding="utf-8"?>
 <ds:datastoreItem xmlns:ds="http://schemas.openxmlformats.org/officeDocument/2006/customXml" ds:itemID="{65F52427-8C17-472B-B062-8A002E8BDA6E}">
   <ds:schemaRefs>
     <ds:schemaRef ds:uri="http://schemas.microsoft.com/office/2006/metadata/contentType"/>
@@ -9207,6 +10240,14 @@
     <ds:schemaRef ds:uri="http://purl.org/dc/elements/1.1/"/>
     <ds:schemaRef ds:uri="http://purl.org/dc/terms/"/>
     <ds:schemaRef ds:uri="http://schemas.microsoft.com/internal/obd"/>
+  </ds:schemaRefs>
+</ds:datastoreItem>
+</file>
+
+<file path=customXml/itemProps2.xml><?xml version="1.0" encoding="utf-8"?>
+<ds:datastoreItem xmlns:ds="http://schemas.openxmlformats.org/officeDocument/2006/customXml" ds:itemID="{9D433788-E2A9-474A-A9AA-7C51D76AEEF8}">
+  <ds:schemaRefs>
+    <ds:schemaRef ds:uri="http://schemas.microsoft.com/sharepoint/v3/contenttype/forms"/>
   </ds:schemaRefs>
 </ds:datastoreItem>
 </file>
